--- a/documents/基于音频预处理过程的语音识别系统攻击2.2.pptx
+++ b/documents/基于音频预处理过程的语音识别系统攻击2.2.pptx
@@ -6262,7 +6262,7 @@
           <p:cNvPr id="5" name="矩形 4">
             <a:extLst>
               <a:ext uri="{FF2B5EF4-FFF2-40B4-BE49-F238E27FC236}">
-                <a16:creationId xmlns:a16="http://schemas.microsoft.com/office/drawing/2014/main" xmlns="" id="{AB1DF3D9-EC08-40CA-853D-48B16F99EE56}"/>
+                <a16:creationId xmlns="" xmlns:a16="http://schemas.microsoft.com/office/drawing/2014/main" id="{AB1DF3D9-EC08-40CA-853D-48B16F99EE56}"/>
               </a:ext>
             </a:extLst>
           </p:cNvPr>
@@ -6438,7 +6438,7 @@
           <p:cNvPr id="8" name="矩形 7">
             <a:extLst>
               <a:ext uri="{FF2B5EF4-FFF2-40B4-BE49-F238E27FC236}">
-                <a16:creationId xmlns:a16="http://schemas.microsoft.com/office/drawing/2014/main" xmlns="" id="{0FDAD747-108F-4A6D-9220-5EA05067FF1E}"/>
+                <a16:creationId xmlns="" xmlns:a16="http://schemas.microsoft.com/office/drawing/2014/main" id="{0FDAD747-108F-4A6D-9220-5EA05067FF1E}"/>
               </a:ext>
             </a:extLst>
           </p:cNvPr>
@@ -6581,7 +6581,7 @@
           <p:cNvPr id="5" name="矩形 4">
             <a:extLst>
               <a:ext uri="{FF2B5EF4-FFF2-40B4-BE49-F238E27FC236}">
-                <a16:creationId xmlns:a16="http://schemas.microsoft.com/office/drawing/2014/main" xmlns="" id="{AB1DF3D9-EC08-40CA-853D-48B16F99EE56}"/>
+                <a16:creationId xmlns="" xmlns:a16="http://schemas.microsoft.com/office/drawing/2014/main" id="{AB1DF3D9-EC08-40CA-853D-48B16F99EE56}"/>
               </a:ext>
             </a:extLst>
           </p:cNvPr>
@@ -6667,7 +6667,7 @@
           <p:cNvPr id="6" name="矩形 5">
             <a:extLst>
               <a:ext uri="{FF2B5EF4-FFF2-40B4-BE49-F238E27FC236}">
-                <a16:creationId xmlns:a16="http://schemas.microsoft.com/office/drawing/2014/main" xmlns="" id="{0FDAD747-108F-4A6D-9220-5EA05067FF1E}"/>
+                <a16:creationId xmlns="" xmlns:a16="http://schemas.microsoft.com/office/drawing/2014/main" id="{0FDAD747-108F-4A6D-9220-5EA05067FF1E}"/>
               </a:ext>
             </a:extLst>
           </p:cNvPr>
@@ -6810,7 +6810,7 @@
           <p:cNvPr id="5" name="矩形 4">
             <a:extLst>
               <a:ext uri="{FF2B5EF4-FFF2-40B4-BE49-F238E27FC236}">
-                <a16:creationId xmlns:a16="http://schemas.microsoft.com/office/drawing/2014/main" xmlns="" id="{AB1DF3D9-EC08-40CA-853D-48B16F99EE56}"/>
+                <a16:creationId xmlns="" xmlns:a16="http://schemas.microsoft.com/office/drawing/2014/main" id="{AB1DF3D9-EC08-40CA-853D-48B16F99EE56}"/>
               </a:ext>
             </a:extLst>
           </p:cNvPr>
@@ -6897,7 +6897,7 @@
           <p:cNvPr id="7" name="矩形 6">
             <a:extLst>
               <a:ext uri="{FF2B5EF4-FFF2-40B4-BE49-F238E27FC236}">
-                <a16:creationId xmlns:a16="http://schemas.microsoft.com/office/drawing/2014/main" xmlns="" id="{0FDAD747-108F-4A6D-9220-5EA05067FF1E}"/>
+                <a16:creationId xmlns="" xmlns:a16="http://schemas.microsoft.com/office/drawing/2014/main" id="{0FDAD747-108F-4A6D-9220-5EA05067FF1E}"/>
               </a:ext>
             </a:extLst>
           </p:cNvPr>
@@ -7010,7 +7010,7 @@
           <p:cNvPr id="9" name="矩形 13" descr="紫色网格">
             <a:extLst>
               <a:ext uri="{FF2B5EF4-FFF2-40B4-BE49-F238E27FC236}">
-                <a16:creationId xmlns:a16="http://schemas.microsoft.com/office/drawing/2014/main" xmlns="" id="{44AEA09D-FD0A-4CA0-883D-93E5EAF762D6}"/>
+                <a16:creationId xmlns="" xmlns:a16="http://schemas.microsoft.com/office/drawing/2014/main" id="{44AEA09D-FD0A-4CA0-883D-93E5EAF762D6}"/>
               </a:ext>
             </a:extLst>
           </p:cNvPr>
@@ -7531,7 +7531,7 @@
           <p:cNvPr id="5" name="矩形 4">
             <a:extLst>
               <a:ext uri="{FF2B5EF4-FFF2-40B4-BE49-F238E27FC236}">
-                <a16:creationId xmlns:a16="http://schemas.microsoft.com/office/drawing/2014/main" xmlns="" id="{AB1DF3D9-EC08-40CA-853D-48B16F99EE56}"/>
+                <a16:creationId xmlns="" xmlns:a16="http://schemas.microsoft.com/office/drawing/2014/main" id="{AB1DF3D9-EC08-40CA-853D-48B16F99EE56}"/>
               </a:ext>
             </a:extLst>
           </p:cNvPr>
@@ -7673,7 +7673,7 @@
           <p:cNvPr id="7" name="矩形 6">
             <a:extLst>
               <a:ext uri="{FF2B5EF4-FFF2-40B4-BE49-F238E27FC236}">
-                <a16:creationId xmlns:a16="http://schemas.microsoft.com/office/drawing/2014/main" xmlns="" id="{0FDAD747-108F-4A6D-9220-5EA05067FF1E}"/>
+                <a16:creationId xmlns="" xmlns:a16="http://schemas.microsoft.com/office/drawing/2014/main" id="{0FDAD747-108F-4A6D-9220-5EA05067FF1E}"/>
               </a:ext>
             </a:extLst>
           </p:cNvPr>
@@ -7816,7 +7816,7 @@
           <p:cNvPr id="5" name="矩形 4">
             <a:extLst>
               <a:ext uri="{FF2B5EF4-FFF2-40B4-BE49-F238E27FC236}">
-                <a16:creationId xmlns:a16="http://schemas.microsoft.com/office/drawing/2014/main" xmlns="" id="{AB1DF3D9-EC08-40CA-853D-48B16F99EE56}"/>
+                <a16:creationId xmlns="" xmlns:a16="http://schemas.microsoft.com/office/drawing/2014/main" id="{AB1DF3D9-EC08-40CA-853D-48B16F99EE56}"/>
               </a:ext>
             </a:extLst>
           </p:cNvPr>
@@ -8004,7 +8004,7 @@
           <p:cNvPr id="9" name="矩形 8">
             <a:extLst>
               <a:ext uri="{FF2B5EF4-FFF2-40B4-BE49-F238E27FC236}">
-                <a16:creationId xmlns:a16="http://schemas.microsoft.com/office/drawing/2014/main" xmlns="" id="{0FDAD747-108F-4A6D-9220-5EA05067FF1E}"/>
+                <a16:creationId xmlns="" xmlns:a16="http://schemas.microsoft.com/office/drawing/2014/main" id="{0FDAD747-108F-4A6D-9220-5EA05067FF1E}"/>
               </a:ext>
             </a:extLst>
           </p:cNvPr>
@@ -8147,7 +8147,7 @@
           <p:cNvPr id="5" name="矩形 4">
             <a:extLst>
               <a:ext uri="{FF2B5EF4-FFF2-40B4-BE49-F238E27FC236}">
-                <a16:creationId xmlns:a16="http://schemas.microsoft.com/office/drawing/2014/main" xmlns="" id="{AB1DF3D9-EC08-40CA-853D-48B16F99EE56}"/>
+                <a16:creationId xmlns="" xmlns:a16="http://schemas.microsoft.com/office/drawing/2014/main" id="{AB1DF3D9-EC08-40CA-853D-48B16F99EE56}"/>
               </a:ext>
             </a:extLst>
           </p:cNvPr>
@@ -8234,7 +8234,7 @@
           <p:cNvPr id="7" name="矩形 6">
             <a:extLst>
               <a:ext uri="{FF2B5EF4-FFF2-40B4-BE49-F238E27FC236}">
-                <a16:creationId xmlns:a16="http://schemas.microsoft.com/office/drawing/2014/main" xmlns="" id="{0FDAD747-108F-4A6D-9220-5EA05067FF1E}"/>
+                <a16:creationId xmlns="" xmlns:a16="http://schemas.microsoft.com/office/drawing/2014/main" id="{0FDAD747-108F-4A6D-9220-5EA05067FF1E}"/>
               </a:ext>
             </a:extLst>
           </p:cNvPr>
@@ -8443,7 +8443,7 @@
           <p:cNvPr id="8" name="矩形 7">
             <a:extLst>
               <a:ext uri="{FF2B5EF4-FFF2-40B4-BE49-F238E27FC236}">
-                <a16:creationId xmlns:a16="http://schemas.microsoft.com/office/drawing/2014/main" xmlns="" id="{0FDAD747-108F-4A6D-9220-5EA05067FF1E}"/>
+                <a16:creationId xmlns="" xmlns:a16="http://schemas.microsoft.com/office/drawing/2014/main" id="{0FDAD747-108F-4A6D-9220-5EA05067FF1E}"/>
               </a:ext>
             </a:extLst>
           </p:cNvPr>
@@ -8556,7 +8556,7 @@
           <p:cNvPr id="10" name="矩形 13" descr="紫色网格">
             <a:extLst>
               <a:ext uri="{FF2B5EF4-FFF2-40B4-BE49-F238E27FC236}">
-                <a16:creationId xmlns:a16="http://schemas.microsoft.com/office/drawing/2014/main" xmlns="" id="{44AEA09D-FD0A-4CA0-883D-93E5EAF762D6}"/>
+                <a16:creationId xmlns="" xmlns:a16="http://schemas.microsoft.com/office/drawing/2014/main" id="{44AEA09D-FD0A-4CA0-883D-93E5EAF762D6}"/>
               </a:ext>
             </a:extLst>
           </p:cNvPr>
@@ -8862,7 +8862,7 @@
           <p:cNvPr id="12" name="矩形 11">
             <a:extLst>
               <a:ext uri="{FF2B5EF4-FFF2-40B4-BE49-F238E27FC236}">
-                <a16:creationId xmlns:a16="http://schemas.microsoft.com/office/drawing/2014/main" xmlns="" id="{0FDAD747-108F-4A6D-9220-5EA05067FF1E}"/>
+                <a16:creationId xmlns="" xmlns:a16="http://schemas.microsoft.com/office/drawing/2014/main" id="{0FDAD747-108F-4A6D-9220-5EA05067FF1E}"/>
               </a:ext>
             </a:extLst>
           </p:cNvPr>
@@ -8956,7 +8956,7 @@
           <p:cNvPr id="9" name="矩形 13" descr="紫色网格">
             <a:extLst>
               <a:ext uri="{FF2B5EF4-FFF2-40B4-BE49-F238E27FC236}">
-                <a16:creationId xmlns:a16="http://schemas.microsoft.com/office/drawing/2014/main" xmlns="" id="{44AEA09D-FD0A-4CA0-883D-93E5EAF762D6}"/>
+                <a16:creationId xmlns="" xmlns:a16="http://schemas.microsoft.com/office/drawing/2014/main" id="{44AEA09D-FD0A-4CA0-883D-93E5EAF762D6}"/>
               </a:ext>
             </a:extLst>
           </p:cNvPr>
@@ -9256,7 +9256,7 @@
           <p:cNvPr id="4" name="矩形 3">
             <a:extLst>
               <a:ext uri="{FF2B5EF4-FFF2-40B4-BE49-F238E27FC236}">
-                <a16:creationId xmlns:a16="http://schemas.microsoft.com/office/drawing/2014/main" xmlns="" id="{0FDAD747-108F-4A6D-9220-5EA05067FF1E}"/>
+                <a16:creationId xmlns="" xmlns:a16="http://schemas.microsoft.com/office/drawing/2014/main" id="{0FDAD747-108F-4A6D-9220-5EA05067FF1E}"/>
               </a:ext>
             </a:extLst>
           </p:cNvPr>
@@ -9347,7 +9347,7 @@
           <p:cNvPr id="7" name="矩形 6">
             <a:extLst>
               <a:ext uri="{FF2B5EF4-FFF2-40B4-BE49-F238E27FC236}">
-                <a16:creationId xmlns:a16="http://schemas.microsoft.com/office/drawing/2014/main" xmlns="" id="{0FDAD747-108F-4A6D-9220-5EA05067FF1E}"/>
+                <a16:creationId xmlns="" xmlns:a16="http://schemas.microsoft.com/office/drawing/2014/main" id="{0FDAD747-108F-4A6D-9220-5EA05067FF1E}"/>
               </a:ext>
             </a:extLst>
           </p:cNvPr>
@@ -9443,7 +9443,7 @@
           <p:cNvPr id="9" name="矩形 13" descr="紫色网格">
             <a:extLst>
               <a:ext uri="{FF2B5EF4-FFF2-40B4-BE49-F238E27FC236}">
-                <a16:creationId xmlns:a16="http://schemas.microsoft.com/office/drawing/2014/main" xmlns="" id="{44AEA09D-FD0A-4CA0-883D-93E5EAF762D6}"/>
+                <a16:creationId xmlns="" xmlns:a16="http://schemas.microsoft.com/office/drawing/2014/main" id="{44AEA09D-FD0A-4CA0-883D-93E5EAF762D6}"/>
               </a:ext>
             </a:extLst>
           </p:cNvPr>
@@ -9743,7 +9743,7 @@
           <p:cNvPr id="12" name="矩形 11">
             <a:extLst>
               <a:ext uri="{FF2B5EF4-FFF2-40B4-BE49-F238E27FC236}">
-                <a16:creationId xmlns:a16="http://schemas.microsoft.com/office/drawing/2014/main" xmlns="" id="{0FDAD747-108F-4A6D-9220-5EA05067FF1E}"/>
+                <a16:creationId xmlns="" xmlns:a16="http://schemas.microsoft.com/office/drawing/2014/main" id="{0FDAD747-108F-4A6D-9220-5EA05067FF1E}"/>
               </a:ext>
             </a:extLst>
           </p:cNvPr>
@@ -9837,7 +9837,7 @@
           <p:cNvPr id="6" name="矩形 13" descr="紫色网格">
             <a:extLst>
               <a:ext uri="{FF2B5EF4-FFF2-40B4-BE49-F238E27FC236}">
-                <a16:creationId xmlns:a16="http://schemas.microsoft.com/office/drawing/2014/main" xmlns="" id="{44AEA09D-FD0A-4CA0-883D-93E5EAF762D6}"/>
+                <a16:creationId xmlns="" xmlns:a16="http://schemas.microsoft.com/office/drawing/2014/main" id="{44AEA09D-FD0A-4CA0-883D-93E5EAF762D6}"/>
               </a:ext>
             </a:extLst>
           </p:cNvPr>
@@ -10169,7 +10169,7 @@
           <p:cNvPr id="52" name="矩形 51">
             <a:extLst>
               <a:ext uri="{FF2B5EF4-FFF2-40B4-BE49-F238E27FC236}">
-                <a16:creationId xmlns:a16="http://schemas.microsoft.com/office/drawing/2014/main" xmlns="" id="{C2B44424-4CFE-4BA2-9FCF-F0A911E8A749}"/>
+                <a16:creationId xmlns="" xmlns:a16="http://schemas.microsoft.com/office/drawing/2014/main" id="{C2B44424-4CFE-4BA2-9FCF-F0A911E8A749}"/>
               </a:ext>
             </a:extLst>
           </p:cNvPr>
@@ -10323,7 +10323,7 @@
           <p:cNvPr id="55" name="直接箭头连接符 54">
             <a:extLst>
               <a:ext uri="{FF2B5EF4-FFF2-40B4-BE49-F238E27FC236}">
-                <a16:creationId xmlns:a16="http://schemas.microsoft.com/office/drawing/2014/main" xmlns="" id="{EDD84E7C-3200-40E5-A3C0-E57D7F9E754E}"/>
+                <a16:creationId xmlns="" xmlns:a16="http://schemas.microsoft.com/office/drawing/2014/main" id="{EDD84E7C-3200-40E5-A3C0-E57D7F9E754E}"/>
               </a:ext>
             </a:extLst>
           </p:cNvPr>
@@ -10356,7 +10356,7 @@
           <p:cNvPr id="59" name="矩形 58">
             <a:extLst>
               <a:ext uri="{FF2B5EF4-FFF2-40B4-BE49-F238E27FC236}">
-                <a16:creationId xmlns:a16="http://schemas.microsoft.com/office/drawing/2014/main" xmlns="" id="{0FDAD747-108F-4A6D-9220-5EA05067FF1E}"/>
+                <a16:creationId xmlns="" xmlns:a16="http://schemas.microsoft.com/office/drawing/2014/main" id="{0FDAD747-108F-4A6D-9220-5EA05067FF1E}"/>
               </a:ext>
             </a:extLst>
           </p:cNvPr>
@@ -10403,7 +10403,7 @@
           <p:cNvPr id="60" name="矩形 59">
             <a:extLst>
               <a:ext uri="{FF2B5EF4-FFF2-40B4-BE49-F238E27FC236}">
-                <a16:creationId xmlns:a16="http://schemas.microsoft.com/office/drawing/2014/main" xmlns="" id="{5CEC9FB1-9CBF-4B7B-A321-DF404030F08B}"/>
+                <a16:creationId xmlns="" xmlns:a16="http://schemas.microsoft.com/office/drawing/2014/main" id="{5CEC9FB1-9CBF-4B7B-A321-DF404030F08B}"/>
               </a:ext>
             </a:extLst>
           </p:cNvPr>
@@ -10489,7 +10489,7 @@
           <p:cNvPr id="63" name="直接箭头连接符 62">
             <a:extLst>
               <a:ext uri="{FF2B5EF4-FFF2-40B4-BE49-F238E27FC236}">
-                <a16:creationId xmlns:a16="http://schemas.microsoft.com/office/drawing/2014/main" xmlns="" id="{5A7FC920-9D22-4290-B80F-F4BDC1DE109A}"/>
+                <a16:creationId xmlns="" xmlns:a16="http://schemas.microsoft.com/office/drawing/2014/main" id="{5A7FC920-9D22-4290-B80F-F4BDC1DE109A}"/>
               </a:ext>
             </a:extLst>
           </p:cNvPr>
@@ -10522,7 +10522,7 @@
           <p:cNvPr id="64" name="矩形 63">
             <a:extLst>
               <a:ext uri="{FF2B5EF4-FFF2-40B4-BE49-F238E27FC236}">
-                <a16:creationId xmlns:a16="http://schemas.microsoft.com/office/drawing/2014/main" xmlns="" id="{45B27A13-37E3-4777-9299-E75CAF1F6F9A}"/>
+                <a16:creationId xmlns="" xmlns:a16="http://schemas.microsoft.com/office/drawing/2014/main" id="{45B27A13-37E3-4777-9299-E75CAF1F6F9A}"/>
               </a:ext>
             </a:extLst>
           </p:cNvPr>
@@ -10570,7 +10570,7 @@
           <p:cNvPr id="65" name="图片 64">
             <a:extLst>
               <a:ext uri="{FF2B5EF4-FFF2-40B4-BE49-F238E27FC236}">
-                <a16:creationId xmlns:a16="http://schemas.microsoft.com/office/drawing/2014/main" xmlns="" id="{36569B5B-566F-4C60-9D63-318931B70CA2}"/>
+                <a16:creationId xmlns="" xmlns:a16="http://schemas.microsoft.com/office/drawing/2014/main" id="{36569B5B-566F-4C60-9D63-318931B70CA2}"/>
               </a:ext>
             </a:extLst>
           </p:cNvPr>
@@ -10606,7 +10606,7 @@
           <p:cNvPr id="66" name="矩形 65">
             <a:extLst>
               <a:ext uri="{FF2B5EF4-FFF2-40B4-BE49-F238E27FC236}">
-                <a16:creationId xmlns:a16="http://schemas.microsoft.com/office/drawing/2014/main" xmlns="" id="{2A55BA5B-CE30-435B-95FB-B00B8161E590}"/>
+                <a16:creationId xmlns="" xmlns:a16="http://schemas.microsoft.com/office/drawing/2014/main" id="{2A55BA5B-CE30-435B-95FB-B00B8161E590}"/>
               </a:ext>
             </a:extLst>
           </p:cNvPr>
@@ -10664,7 +10664,7 @@
           <p:cNvPr id="67" name="矩形 66">
             <a:extLst>
               <a:ext uri="{FF2B5EF4-FFF2-40B4-BE49-F238E27FC236}">
-                <a16:creationId xmlns:a16="http://schemas.microsoft.com/office/drawing/2014/main" xmlns="" id="{C2B44424-4CFE-4BA2-9FCF-F0A911E8A749}"/>
+                <a16:creationId xmlns="" xmlns:a16="http://schemas.microsoft.com/office/drawing/2014/main" id="{C2B44424-4CFE-4BA2-9FCF-F0A911E8A749}"/>
               </a:ext>
             </a:extLst>
           </p:cNvPr>
@@ -10775,7 +10775,7 @@
           <p:cNvPr id="72" name="矩形 13" descr="紫色网格">
             <a:extLst>
               <a:ext uri="{FF2B5EF4-FFF2-40B4-BE49-F238E27FC236}">
-                <a16:creationId xmlns:a16="http://schemas.microsoft.com/office/drawing/2014/main" xmlns="" id="{44AEA09D-FD0A-4CA0-883D-93E5EAF762D6}"/>
+                <a16:creationId xmlns="" xmlns:a16="http://schemas.microsoft.com/office/drawing/2014/main" id="{44AEA09D-FD0A-4CA0-883D-93E5EAF762D6}"/>
               </a:ext>
             </a:extLst>
           </p:cNvPr>
@@ -11042,7 +11042,7 @@
           <p:cNvPr id="73" name="矩形 72">
             <a:extLst>
               <a:ext uri="{FF2B5EF4-FFF2-40B4-BE49-F238E27FC236}">
-                <a16:creationId xmlns:a16="http://schemas.microsoft.com/office/drawing/2014/main" xmlns="" id="{0FDAD747-108F-4A6D-9220-5EA05067FF1E}"/>
+                <a16:creationId xmlns="" xmlns:a16="http://schemas.microsoft.com/office/drawing/2014/main" id="{0FDAD747-108F-4A6D-9220-5EA05067FF1E}"/>
               </a:ext>
             </a:extLst>
           </p:cNvPr>
@@ -11089,7 +11089,7 @@
           <p:cNvPr id="76" name="矩形 75">
             <a:extLst>
               <a:ext uri="{FF2B5EF4-FFF2-40B4-BE49-F238E27FC236}">
-                <a16:creationId xmlns:a16="http://schemas.microsoft.com/office/drawing/2014/main" xmlns="" id="{5CEC9FB1-9CBF-4B7B-A321-DF404030F08B}"/>
+                <a16:creationId xmlns="" xmlns:a16="http://schemas.microsoft.com/office/drawing/2014/main" id="{5CEC9FB1-9CBF-4B7B-A321-DF404030F08B}"/>
               </a:ext>
             </a:extLst>
           </p:cNvPr>
@@ -11175,7 +11175,7 @@
           <p:cNvPr id="77" name="矩形 76">
             <a:extLst>
               <a:ext uri="{FF2B5EF4-FFF2-40B4-BE49-F238E27FC236}">
-                <a16:creationId xmlns:a16="http://schemas.microsoft.com/office/drawing/2014/main" xmlns="" id="{5CEC9FB1-9CBF-4B7B-A321-DF404030F08B}"/>
+                <a16:creationId xmlns="" xmlns:a16="http://schemas.microsoft.com/office/drawing/2014/main" id="{5CEC9FB1-9CBF-4B7B-A321-DF404030F08B}"/>
               </a:ext>
             </a:extLst>
           </p:cNvPr>
@@ -11303,7 +11303,7 @@
           <p:cNvPr id="82" name="直接箭头连接符 81">
             <a:extLst>
               <a:ext uri="{FF2B5EF4-FFF2-40B4-BE49-F238E27FC236}">
-                <a16:creationId xmlns:a16="http://schemas.microsoft.com/office/drawing/2014/main" xmlns="" id="{EDD84E7C-3200-40E5-A3C0-E57D7F9E754E}"/>
+                <a16:creationId xmlns="" xmlns:a16="http://schemas.microsoft.com/office/drawing/2014/main" id="{EDD84E7C-3200-40E5-A3C0-E57D7F9E754E}"/>
               </a:ext>
             </a:extLst>
           </p:cNvPr>
@@ -11336,7 +11336,7 @@
           <p:cNvPr id="85" name="直接箭头连接符 84">
             <a:extLst>
               <a:ext uri="{FF2B5EF4-FFF2-40B4-BE49-F238E27FC236}">
-                <a16:creationId xmlns:a16="http://schemas.microsoft.com/office/drawing/2014/main" xmlns="" id="{EDD84E7C-3200-40E5-A3C0-E57D7F9E754E}"/>
+                <a16:creationId xmlns="" xmlns:a16="http://schemas.microsoft.com/office/drawing/2014/main" id="{EDD84E7C-3200-40E5-A3C0-E57D7F9E754E}"/>
               </a:ext>
             </a:extLst>
           </p:cNvPr>
@@ -11492,7 +11492,7 @@
           <p:cNvPr id="12" name="矩形 11">
             <a:extLst>
               <a:ext uri="{FF2B5EF4-FFF2-40B4-BE49-F238E27FC236}">
-                <a16:creationId xmlns:a16="http://schemas.microsoft.com/office/drawing/2014/main" xmlns="" id="{0FDAD747-108F-4A6D-9220-5EA05067FF1E}"/>
+                <a16:creationId xmlns="" xmlns:a16="http://schemas.microsoft.com/office/drawing/2014/main" id="{0FDAD747-108F-4A6D-9220-5EA05067FF1E}"/>
               </a:ext>
             </a:extLst>
           </p:cNvPr>
@@ -11539,7 +11539,7 @@
           <p:cNvPr id="4" name="矩形 3">
             <a:extLst>
               <a:ext uri="{FF2B5EF4-FFF2-40B4-BE49-F238E27FC236}">
-                <a16:creationId xmlns:a16="http://schemas.microsoft.com/office/drawing/2014/main" xmlns="" id="{0FDAD747-108F-4A6D-9220-5EA05067FF1E}"/>
+                <a16:creationId xmlns="" xmlns:a16="http://schemas.microsoft.com/office/drawing/2014/main" id="{0FDAD747-108F-4A6D-9220-5EA05067FF1E}"/>
               </a:ext>
             </a:extLst>
           </p:cNvPr>
@@ -11797,7 +11797,7 @@
           <p:cNvPr id="12" name="矩形 11">
             <a:extLst>
               <a:ext uri="{FF2B5EF4-FFF2-40B4-BE49-F238E27FC236}">
-                <a16:creationId xmlns:a16="http://schemas.microsoft.com/office/drawing/2014/main" xmlns="" id="{0FDAD747-108F-4A6D-9220-5EA05067FF1E}"/>
+                <a16:creationId xmlns="" xmlns:a16="http://schemas.microsoft.com/office/drawing/2014/main" id="{0FDAD747-108F-4A6D-9220-5EA05067FF1E}"/>
               </a:ext>
             </a:extLst>
           </p:cNvPr>
@@ -11847,7 +11847,7 @@
           <p:cNvPr id="4" name="矩形 3">
             <a:extLst>
               <a:ext uri="{FF2B5EF4-FFF2-40B4-BE49-F238E27FC236}">
-                <a16:creationId xmlns:a16="http://schemas.microsoft.com/office/drawing/2014/main" xmlns="" id="{0FDAD747-108F-4A6D-9220-5EA05067FF1E}"/>
+                <a16:creationId xmlns="" xmlns:a16="http://schemas.microsoft.com/office/drawing/2014/main" id="{0FDAD747-108F-4A6D-9220-5EA05067FF1E}"/>
               </a:ext>
             </a:extLst>
           </p:cNvPr>
@@ -12400,7 +12400,7 @@
           <p:cNvPr id="7" name="矩形 13" descr="紫色网格">
             <a:extLst>
               <a:ext uri="{FF2B5EF4-FFF2-40B4-BE49-F238E27FC236}">
-                <a16:creationId xmlns:a16="http://schemas.microsoft.com/office/drawing/2014/main" xmlns="" id="{44AEA09D-FD0A-4CA0-883D-93E5EAF762D6}"/>
+                <a16:creationId xmlns="" xmlns:a16="http://schemas.microsoft.com/office/drawing/2014/main" id="{44AEA09D-FD0A-4CA0-883D-93E5EAF762D6}"/>
               </a:ext>
             </a:extLst>
           </p:cNvPr>
@@ -12710,7 +12710,7 @@
           <p:cNvPr id="12" name="矩形 11">
             <a:extLst>
               <a:ext uri="{FF2B5EF4-FFF2-40B4-BE49-F238E27FC236}">
-                <a16:creationId xmlns:a16="http://schemas.microsoft.com/office/drawing/2014/main" xmlns="" id="{0FDAD747-108F-4A6D-9220-5EA05067FF1E}"/>
+                <a16:creationId xmlns="" xmlns:a16="http://schemas.microsoft.com/office/drawing/2014/main" id="{0FDAD747-108F-4A6D-9220-5EA05067FF1E}"/>
               </a:ext>
             </a:extLst>
           </p:cNvPr>
@@ -12767,7 +12767,7 @@
           <p:cNvPr id="4" name="矩形 3">
             <a:extLst>
               <a:ext uri="{FF2B5EF4-FFF2-40B4-BE49-F238E27FC236}">
-                <a16:creationId xmlns:a16="http://schemas.microsoft.com/office/drawing/2014/main" xmlns="" id="{0FDAD747-108F-4A6D-9220-5EA05067FF1E}"/>
+                <a16:creationId xmlns="" xmlns:a16="http://schemas.microsoft.com/office/drawing/2014/main" id="{0FDAD747-108F-4A6D-9220-5EA05067FF1E}"/>
               </a:ext>
             </a:extLst>
           </p:cNvPr>
@@ -13144,7 +13144,7 @@
           <p:cNvPr id="12" name="矩形 11">
             <a:extLst>
               <a:ext uri="{FF2B5EF4-FFF2-40B4-BE49-F238E27FC236}">
-                <a16:creationId xmlns:a16="http://schemas.microsoft.com/office/drawing/2014/main" xmlns="" id="{0FDAD747-108F-4A6D-9220-5EA05067FF1E}"/>
+                <a16:creationId xmlns="" xmlns:a16="http://schemas.microsoft.com/office/drawing/2014/main" id="{0FDAD747-108F-4A6D-9220-5EA05067FF1E}"/>
               </a:ext>
             </a:extLst>
           </p:cNvPr>
@@ -13191,7 +13191,7 @@
           <p:cNvPr id="4" name="矩形 3">
             <a:extLst>
               <a:ext uri="{FF2B5EF4-FFF2-40B4-BE49-F238E27FC236}">
-                <a16:creationId xmlns:a16="http://schemas.microsoft.com/office/drawing/2014/main" xmlns="" id="{0FDAD747-108F-4A6D-9220-5EA05067FF1E}"/>
+                <a16:creationId xmlns="" xmlns:a16="http://schemas.microsoft.com/office/drawing/2014/main" id="{0FDAD747-108F-4A6D-9220-5EA05067FF1E}"/>
               </a:ext>
             </a:extLst>
           </p:cNvPr>
@@ -13520,7 +13520,7 @@
           <p:cNvPr id="12" name="矩形 11">
             <a:extLst>
               <a:ext uri="{FF2B5EF4-FFF2-40B4-BE49-F238E27FC236}">
-                <a16:creationId xmlns:a16="http://schemas.microsoft.com/office/drawing/2014/main" xmlns="" id="{0FDAD747-108F-4A6D-9220-5EA05067FF1E}"/>
+                <a16:creationId xmlns="" xmlns:a16="http://schemas.microsoft.com/office/drawing/2014/main" id="{0FDAD747-108F-4A6D-9220-5EA05067FF1E}"/>
               </a:ext>
             </a:extLst>
           </p:cNvPr>
@@ -13580,7 +13580,7 @@
           <p:cNvPr id="4" name="矩形 3">
             <a:extLst>
               <a:ext uri="{FF2B5EF4-FFF2-40B4-BE49-F238E27FC236}">
-                <a16:creationId xmlns:a16="http://schemas.microsoft.com/office/drawing/2014/main" xmlns="" id="{0FDAD747-108F-4A6D-9220-5EA05067FF1E}"/>
+                <a16:creationId xmlns="" xmlns:a16="http://schemas.microsoft.com/office/drawing/2014/main" id="{0FDAD747-108F-4A6D-9220-5EA05067FF1E}"/>
               </a:ext>
             </a:extLst>
           </p:cNvPr>
@@ -14099,7 +14099,7 @@
           <p:cNvPr id="12" name="矩形 11">
             <a:extLst>
               <a:ext uri="{FF2B5EF4-FFF2-40B4-BE49-F238E27FC236}">
-                <a16:creationId xmlns:a16="http://schemas.microsoft.com/office/drawing/2014/main" xmlns="" id="{0FDAD747-108F-4A6D-9220-5EA05067FF1E}"/>
+                <a16:creationId xmlns="" xmlns:a16="http://schemas.microsoft.com/office/drawing/2014/main" id="{0FDAD747-108F-4A6D-9220-5EA05067FF1E}"/>
               </a:ext>
             </a:extLst>
           </p:cNvPr>
@@ -14166,7 +14166,7 @@
           <p:cNvPr id="4" name="矩形 3">
             <a:extLst>
               <a:ext uri="{FF2B5EF4-FFF2-40B4-BE49-F238E27FC236}">
-                <a16:creationId xmlns:a16="http://schemas.microsoft.com/office/drawing/2014/main" xmlns="" id="{0FDAD747-108F-4A6D-9220-5EA05067FF1E}"/>
+                <a16:creationId xmlns="" xmlns:a16="http://schemas.microsoft.com/office/drawing/2014/main" id="{0FDAD747-108F-4A6D-9220-5EA05067FF1E}"/>
               </a:ext>
             </a:extLst>
           </p:cNvPr>
@@ -14496,7 +14496,7 @@
           <p:cNvPr id="12" name="矩形 11">
             <a:extLst>
               <a:ext uri="{FF2B5EF4-FFF2-40B4-BE49-F238E27FC236}">
-                <a16:creationId xmlns:a16="http://schemas.microsoft.com/office/drawing/2014/main" xmlns="" id="{0FDAD747-108F-4A6D-9220-5EA05067FF1E}"/>
+                <a16:creationId xmlns="" xmlns:a16="http://schemas.microsoft.com/office/drawing/2014/main" id="{0FDAD747-108F-4A6D-9220-5EA05067FF1E}"/>
               </a:ext>
             </a:extLst>
           </p:cNvPr>
@@ -14543,7 +14543,7 @@
           <p:cNvPr id="4" name="矩形 3">
             <a:extLst>
               <a:ext uri="{FF2B5EF4-FFF2-40B4-BE49-F238E27FC236}">
-                <a16:creationId xmlns:a16="http://schemas.microsoft.com/office/drawing/2014/main" xmlns="" id="{0FDAD747-108F-4A6D-9220-5EA05067FF1E}"/>
+                <a16:creationId xmlns="" xmlns:a16="http://schemas.microsoft.com/office/drawing/2014/main" id="{0FDAD747-108F-4A6D-9220-5EA05067FF1E}"/>
               </a:ext>
             </a:extLst>
           </p:cNvPr>
@@ -14646,7 +14646,7 @@
           <p:cNvPr id="12" name="矩形 11">
             <a:extLst>
               <a:ext uri="{FF2B5EF4-FFF2-40B4-BE49-F238E27FC236}">
-                <a16:creationId xmlns:a16="http://schemas.microsoft.com/office/drawing/2014/main" xmlns="" id="{0FDAD747-108F-4A6D-9220-5EA05067FF1E}"/>
+                <a16:creationId xmlns="" xmlns:a16="http://schemas.microsoft.com/office/drawing/2014/main" id="{0FDAD747-108F-4A6D-9220-5EA05067FF1E}"/>
               </a:ext>
             </a:extLst>
           </p:cNvPr>
@@ -14754,7 +14754,7 @@
           <p:cNvPr id="12" name="矩形 11">
             <a:extLst>
               <a:ext uri="{FF2B5EF4-FFF2-40B4-BE49-F238E27FC236}">
-                <a16:creationId xmlns:a16="http://schemas.microsoft.com/office/drawing/2014/main" xmlns="" id="{0FDAD747-108F-4A6D-9220-5EA05067FF1E}"/>
+                <a16:creationId xmlns="" xmlns:a16="http://schemas.microsoft.com/office/drawing/2014/main" id="{0FDAD747-108F-4A6D-9220-5EA05067FF1E}"/>
               </a:ext>
             </a:extLst>
           </p:cNvPr>
@@ -14801,7 +14801,7 @@
           <p:cNvPr id="4" name="矩形 3">
             <a:extLst>
               <a:ext uri="{FF2B5EF4-FFF2-40B4-BE49-F238E27FC236}">
-                <a16:creationId xmlns:a16="http://schemas.microsoft.com/office/drawing/2014/main" xmlns="" id="{0FDAD747-108F-4A6D-9220-5EA05067FF1E}"/>
+                <a16:creationId xmlns="" xmlns:a16="http://schemas.microsoft.com/office/drawing/2014/main" id="{0FDAD747-108F-4A6D-9220-5EA05067FF1E}"/>
               </a:ext>
             </a:extLst>
           </p:cNvPr>
@@ -14945,7 +14945,7 @@
           <p:cNvPr id="5" name="矩形 13" descr="紫色网格">
             <a:extLst>
               <a:ext uri="{FF2B5EF4-FFF2-40B4-BE49-F238E27FC236}">
-                <a16:creationId xmlns:a16="http://schemas.microsoft.com/office/drawing/2014/main" xmlns="" id="{44AEA09D-FD0A-4CA0-883D-93E5EAF762D6}"/>
+                <a16:creationId xmlns="" xmlns:a16="http://schemas.microsoft.com/office/drawing/2014/main" id="{44AEA09D-FD0A-4CA0-883D-93E5EAF762D6}"/>
               </a:ext>
             </a:extLst>
           </p:cNvPr>
@@ -15265,7 +15265,7 @@
           <p:cNvPr id="52" name="矩形 51">
             <a:extLst>
               <a:ext uri="{FF2B5EF4-FFF2-40B4-BE49-F238E27FC236}">
-                <a16:creationId xmlns:a16="http://schemas.microsoft.com/office/drawing/2014/main" xmlns="" id="{C2B44424-4CFE-4BA2-9FCF-F0A911E8A749}"/>
+                <a16:creationId xmlns="" xmlns:a16="http://schemas.microsoft.com/office/drawing/2014/main" id="{C2B44424-4CFE-4BA2-9FCF-F0A911E8A749}"/>
               </a:ext>
             </a:extLst>
           </p:cNvPr>
@@ -15419,7 +15419,7 @@
           <p:cNvPr id="55" name="直接箭头连接符 54">
             <a:extLst>
               <a:ext uri="{FF2B5EF4-FFF2-40B4-BE49-F238E27FC236}">
-                <a16:creationId xmlns:a16="http://schemas.microsoft.com/office/drawing/2014/main" xmlns="" id="{EDD84E7C-3200-40E5-A3C0-E57D7F9E754E}"/>
+                <a16:creationId xmlns="" xmlns:a16="http://schemas.microsoft.com/office/drawing/2014/main" id="{EDD84E7C-3200-40E5-A3C0-E57D7F9E754E}"/>
               </a:ext>
             </a:extLst>
           </p:cNvPr>
@@ -15452,7 +15452,7 @@
           <p:cNvPr id="59" name="矩形 58">
             <a:extLst>
               <a:ext uri="{FF2B5EF4-FFF2-40B4-BE49-F238E27FC236}">
-                <a16:creationId xmlns:a16="http://schemas.microsoft.com/office/drawing/2014/main" xmlns="" id="{0FDAD747-108F-4A6D-9220-5EA05067FF1E}"/>
+                <a16:creationId xmlns="" xmlns:a16="http://schemas.microsoft.com/office/drawing/2014/main" id="{0FDAD747-108F-4A6D-9220-5EA05067FF1E}"/>
               </a:ext>
             </a:extLst>
           </p:cNvPr>
@@ -15519,7 +15519,7 @@
           <p:cNvPr id="63" name="直接箭头连接符 62">
             <a:extLst>
               <a:ext uri="{FF2B5EF4-FFF2-40B4-BE49-F238E27FC236}">
-                <a16:creationId xmlns:a16="http://schemas.microsoft.com/office/drawing/2014/main" xmlns="" id="{5A7FC920-9D22-4290-B80F-F4BDC1DE109A}"/>
+                <a16:creationId xmlns="" xmlns:a16="http://schemas.microsoft.com/office/drawing/2014/main" id="{5A7FC920-9D22-4290-B80F-F4BDC1DE109A}"/>
               </a:ext>
             </a:extLst>
           </p:cNvPr>
@@ -15552,7 +15552,7 @@
           <p:cNvPr id="64" name="矩形 63">
             <a:extLst>
               <a:ext uri="{FF2B5EF4-FFF2-40B4-BE49-F238E27FC236}">
-                <a16:creationId xmlns:a16="http://schemas.microsoft.com/office/drawing/2014/main" xmlns="" id="{45B27A13-37E3-4777-9299-E75CAF1F6F9A}"/>
+                <a16:creationId xmlns="" xmlns:a16="http://schemas.microsoft.com/office/drawing/2014/main" id="{45B27A13-37E3-4777-9299-E75CAF1F6F9A}"/>
               </a:ext>
             </a:extLst>
           </p:cNvPr>
@@ -15600,7 +15600,7 @@
           <p:cNvPr id="65" name="图片 64">
             <a:extLst>
               <a:ext uri="{FF2B5EF4-FFF2-40B4-BE49-F238E27FC236}">
-                <a16:creationId xmlns:a16="http://schemas.microsoft.com/office/drawing/2014/main" xmlns="" id="{36569B5B-566F-4C60-9D63-318931B70CA2}"/>
+                <a16:creationId xmlns="" xmlns:a16="http://schemas.microsoft.com/office/drawing/2014/main" id="{36569B5B-566F-4C60-9D63-318931B70CA2}"/>
               </a:ext>
             </a:extLst>
           </p:cNvPr>
@@ -15636,7 +15636,7 @@
           <p:cNvPr id="66" name="矩形 65">
             <a:extLst>
               <a:ext uri="{FF2B5EF4-FFF2-40B4-BE49-F238E27FC236}">
-                <a16:creationId xmlns:a16="http://schemas.microsoft.com/office/drawing/2014/main" xmlns="" id="{2A55BA5B-CE30-435B-95FB-B00B8161E590}"/>
+                <a16:creationId xmlns="" xmlns:a16="http://schemas.microsoft.com/office/drawing/2014/main" id="{2A55BA5B-CE30-435B-95FB-B00B8161E590}"/>
               </a:ext>
             </a:extLst>
           </p:cNvPr>
@@ -15704,7 +15704,7 @@
           <p:cNvPr id="67" name="矩形 66">
             <a:extLst>
               <a:ext uri="{FF2B5EF4-FFF2-40B4-BE49-F238E27FC236}">
-                <a16:creationId xmlns:a16="http://schemas.microsoft.com/office/drawing/2014/main" xmlns="" id="{C2B44424-4CFE-4BA2-9FCF-F0A911E8A749}"/>
+                <a16:creationId xmlns="" xmlns:a16="http://schemas.microsoft.com/office/drawing/2014/main" id="{C2B44424-4CFE-4BA2-9FCF-F0A911E8A749}"/>
               </a:ext>
             </a:extLst>
           </p:cNvPr>
@@ -15782,7 +15782,7 @@
           <p:cNvPr id="73" name="矩形 72">
             <a:extLst>
               <a:ext uri="{FF2B5EF4-FFF2-40B4-BE49-F238E27FC236}">
-                <a16:creationId xmlns:a16="http://schemas.microsoft.com/office/drawing/2014/main" xmlns="" id="{0FDAD747-108F-4A6D-9220-5EA05067FF1E}"/>
+                <a16:creationId xmlns="" xmlns:a16="http://schemas.microsoft.com/office/drawing/2014/main" id="{0FDAD747-108F-4A6D-9220-5EA05067FF1E}"/>
               </a:ext>
             </a:extLst>
           </p:cNvPr>
@@ -15829,7 +15829,7 @@
           <p:cNvPr id="15" name="图片 14">
             <a:extLst>
               <a:ext uri="{FF2B5EF4-FFF2-40B4-BE49-F238E27FC236}">
-                <a16:creationId xmlns:a16="http://schemas.microsoft.com/office/drawing/2014/main" xmlns="" id="{36569B5B-566F-4C60-9D63-318931B70CA2}"/>
+                <a16:creationId xmlns="" xmlns:a16="http://schemas.microsoft.com/office/drawing/2014/main" id="{36569B5B-566F-4C60-9D63-318931B70CA2}"/>
               </a:ext>
             </a:extLst>
           </p:cNvPr>
@@ -15872,7 +15872,7 @@
           <p:cNvPr id="16" name="矩形 13" descr="紫色网格">
             <a:extLst>
               <a:ext uri="{FF2B5EF4-FFF2-40B4-BE49-F238E27FC236}">
-                <a16:creationId xmlns:a16="http://schemas.microsoft.com/office/drawing/2014/main" xmlns="" id="{44AEA09D-FD0A-4CA0-883D-93E5EAF762D6}"/>
+                <a16:creationId xmlns="" xmlns:a16="http://schemas.microsoft.com/office/drawing/2014/main" id="{44AEA09D-FD0A-4CA0-883D-93E5EAF762D6}"/>
               </a:ext>
             </a:extLst>
           </p:cNvPr>
@@ -16278,7 +16278,7 @@
           <p:cNvPr id="12" name="矩形 11">
             <a:extLst>
               <a:ext uri="{FF2B5EF4-FFF2-40B4-BE49-F238E27FC236}">
-                <a16:creationId xmlns:a16="http://schemas.microsoft.com/office/drawing/2014/main" xmlns="" id="{0FDAD747-108F-4A6D-9220-5EA05067FF1E}"/>
+                <a16:creationId xmlns="" xmlns:a16="http://schemas.microsoft.com/office/drawing/2014/main" id="{0FDAD747-108F-4A6D-9220-5EA05067FF1E}"/>
               </a:ext>
             </a:extLst>
           </p:cNvPr>
@@ -16325,7 +16325,7 @@
           <p:cNvPr id="4" name="矩形 3">
             <a:extLst>
               <a:ext uri="{FF2B5EF4-FFF2-40B4-BE49-F238E27FC236}">
-                <a16:creationId xmlns:a16="http://schemas.microsoft.com/office/drawing/2014/main" xmlns="" id="{0FDAD747-108F-4A6D-9220-5EA05067FF1E}"/>
+                <a16:creationId xmlns="" xmlns:a16="http://schemas.microsoft.com/office/drawing/2014/main" id="{0FDAD747-108F-4A6D-9220-5EA05067FF1E}"/>
               </a:ext>
             </a:extLst>
           </p:cNvPr>
@@ -16578,7 +16578,7 @@
           <p:cNvPr id="12" name="矩形 11">
             <a:extLst>
               <a:ext uri="{FF2B5EF4-FFF2-40B4-BE49-F238E27FC236}">
-                <a16:creationId xmlns:a16="http://schemas.microsoft.com/office/drawing/2014/main" xmlns="" id="{0FDAD747-108F-4A6D-9220-5EA05067FF1E}"/>
+                <a16:creationId xmlns="" xmlns:a16="http://schemas.microsoft.com/office/drawing/2014/main" id="{0FDAD747-108F-4A6D-9220-5EA05067FF1E}"/>
               </a:ext>
             </a:extLst>
           </p:cNvPr>
@@ -16625,7 +16625,7 @@
           <p:cNvPr id="4" name="矩形 3">
             <a:extLst>
               <a:ext uri="{FF2B5EF4-FFF2-40B4-BE49-F238E27FC236}">
-                <a16:creationId xmlns:a16="http://schemas.microsoft.com/office/drawing/2014/main" xmlns="" id="{0FDAD747-108F-4A6D-9220-5EA05067FF1E}"/>
+                <a16:creationId xmlns="" xmlns:a16="http://schemas.microsoft.com/office/drawing/2014/main" id="{0FDAD747-108F-4A6D-9220-5EA05067FF1E}"/>
               </a:ext>
             </a:extLst>
           </p:cNvPr>
@@ -16944,7 +16944,7 @@
           <p:cNvPr id="26" name="矩形 25" descr="紫色网格">
             <a:extLst>
               <a:ext uri="{FF2B5EF4-FFF2-40B4-BE49-F238E27FC236}">
-                <a16:creationId xmlns:lc="http://schemas.openxmlformats.org/drawingml/2006/lockedCanvas" xmlns="" xmlns:a16="http://schemas.microsoft.com/office/drawing/2014/main" id="{44AEA09D-FD0A-4CA0-883D-93E5EAF762D6}"/>
+                <a16:creationId xmlns:a16="http://schemas.microsoft.com/office/drawing/2014/main" xmlns="" xmlns:lc="http://schemas.openxmlformats.org/drawingml/2006/lockedCanvas" id="{44AEA09D-FD0A-4CA0-883D-93E5EAF762D6}"/>
               </a:ext>
             </a:extLst>
           </p:cNvPr>
@@ -17157,7 +17157,7 @@
           <p:cNvPr id="12" name="矩形 11">
             <a:extLst>
               <a:ext uri="{FF2B5EF4-FFF2-40B4-BE49-F238E27FC236}">
-                <a16:creationId xmlns:a16="http://schemas.microsoft.com/office/drawing/2014/main" xmlns="" id="{0FDAD747-108F-4A6D-9220-5EA05067FF1E}"/>
+                <a16:creationId xmlns="" xmlns:a16="http://schemas.microsoft.com/office/drawing/2014/main" id="{0FDAD747-108F-4A6D-9220-5EA05067FF1E}"/>
               </a:ext>
             </a:extLst>
           </p:cNvPr>
@@ -17217,7 +17217,7 @@
           <p:cNvPr id="11" name="矩形 10">
             <a:extLst>
               <a:ext uri="{FF2B5EF4-FFF2-40B4-BE49-F238E27FC236}">
-                <a16:creationId xmlns:a16="http://schemas.microsoft.com/office/drawing/2014/main" xmlns="" id="{C2B44424-4CFE-4BA2-9FCF-F0A911E8A749}"/>
+                <a16:creationId xmlns="" xmlns:a16="http://schemas.microsoft.com/office/drawing/2014/main" id="{C2B44424-4CFE-4BA2-9FCF-F0A911E8A749}"/>
               </a:ext>
             </a:extLst>
           </p:cNvPr>
@@ -17316,7 +17316,7 @@
           <p:cNvPr id="13" name="直接箭头连接符 12">
             <a:extLst>
               <a:ext uri="{FF2B5EF4-FFF2-40B4-BE49-F238E27FC236}">
-                <a16:creationId xmlns:a16="http://schemas.microsoft.com/office/drawing/2014/main" xmlns="" id="{EDD84E7C-3200-40E5-A3C0-E57D7F9E754E}"/>
+                <a16:creationId xmlns="" xmlns:a16="http://schemas.microsoft.com/office/drawing/2014/main" id="{EDD84E7C-3200-40E5-A3C0-E57D7F9E754E}"/>
               </a:ext>
             </a:extLst>
           </p:cNvPr>
@@ -17349,7 +17349,7 @@
           <p:cNvPr id="14" name="矩形 13">
             <a:extLst>
               <a:ext uri="{FF2B5EF4-FFF2-40B4-BE49-F238E27FC236}">
-                <a16:creationId xmlns:a16="http://schemas.microsoft.com/office/drawing/2014/main" xmlns="" id="{0FDAD747-108F-4A6D-9220-5EA05067FF1E}"/>
+                <a16:creationId xmlns="" xmlns:a16="http://schemas.microsoft.com/office/drawing/2014/main" id="{0FDAD747-108F-4A6D-9220-5EA05067FF1E}"/>
               </a:ext>
             </a:extLst>
           </p:cNvPr>
@@ -17437,7 +17437,7 @@
           <p:cNvPr id="15" name="矩形 14">
             <a:extLst>
               <a:ext uri="{FF2B5EF4-FFF2-40B4-BE49-F238E27FC236}">
-                <a16:creationId xmlns:a16="http://schemas.microsoft.com/office/drawing/2014/main" xmlns="" id="{5CEC9FB1-9CBF-4B7B-A321-DF404030F08B}"/>
+                <a16:creationId xmlns="" xmlns:a16="http://schemas.microsoft.com/office/drawing/2014/main" id="{5CEC9FB1-9CBF-4B7B-A321-DF404030F08B}"/>
               </a:ext>
             </a:extLst>
           </p:cNvPr>
@@ -17523,7 +17523,7 @@
           <p:cNvPr id="16" name="直接箭头连接符 15">
             <a:extLst>
               <a:ext uri="{FF2B5EF4-FFF2-40B4-BE49-F238E27FC236}">
-                <a16:creationId xmlns:a16="http://schemas.microsoft.com/office/drawing/2014/main" xmlns="" id="{5A7FC920-9D22-4290-B80F-F4BDC1DE109A}"/>
+                <a16:creationId xmlns="" xmlns:a16="http://schemas.microsoft.com/office/drawing/2014/main" id="{5A7FC920-9D22-4290-B80F-F4BDC1DE109A}"/>
               </a:ext>
             </a:extLst>
           </p:cNvPr>
@@ -17556,7 +17556,7 @@
           <p:cNvPr id="19" name="矩形 18">
             <a:extLst>
               <a:ext uri="{FF2B5EF4-FFF2-40B4-BE49-F238E27FC236}">
-                <a16:creationId xmlns:a16="http://schemas.microsoft.com/office/drawing/2014/main" xmlns="" id="{2A55BA5B-CE30-435B-95FB-B00B8161E590}"/>
+                <a16:creationId xmlns="" xmlns:a16="http://schemas.microsoft.com/office/drawing/2014/main" id="{2A55BA5B-CE30-435B-95FB-B00B8161E590}"/>
               </a:ext>
             </a:extLst>
           </p:cNvPr>
@@ -17614,7 +17614,7 @@
           <p:cNvPr id="23" name="矩形 22">
             <a:extLst>
               <a:ext uri="{FF2B5EF4-FFF2-40B4-BE49-F238E27FC236}">
-                <a16:creationId xmlns:a16="http://schemas.microsoft.com/office/drawing/2014/main" xmlns="" id="{C2B44424-4CFE-4BA2-9FCF-F0A911E8A749}"/>
+                <a16:creationId xmlns="" xmlns:a16="http://schemas.microsoft.com/office/drawing/2014/main" id="{C2B44424-4CFE-4BA2-9FCF-F0A911E8A749}"/>
               </a:ext>
             </a:extLst>
           </p:cNvPr>
@@ -17698,7 +17698,7 @@
           <p:cNvPr id="24" name="矩形 23">
             <a:extLst>
               <a:ext uri="{FF2B5EF4-FFF2-40B4-BE49-F238E27FC236}">
-                <a16:creationId xmlns:a16="http://schemas.microsoft.com/office/drawing/2014/main" xmlns="" id="{0FDAD747-108F-4A6D-9220-5EA05067FF1E}"/>
+                <a16:creationId xmlns="" xmlns:a16="http://schemas.microsoft.com/office/drawing/2014/main" id="{0FDAD747-108F-4A6D-9220-5EA05067FF1E}"/>
               </a:ext>
             </a:extLst>
           </p:cNvPr>
@@ -17806,7 +17806,7 @@
           <p:cNvPr id="25" name="矩形 24" descr="紫色网格">
             <a:extLst>
               <a:ext uri="{FF2B5EF4-FFF2-40B4-BE49-F238E27FC236}">
-                <a16:creationId xmlns:lc="http://schemas.openxmlformats.org/drawingml/2006/lockedCanvas" xmlns="" xmlns:a16="http://schemas.microsoft.com/office/drawing/2014/main" id="{44AEA09D-FD0A-4CA0-883D-93E5EAF762D6}"/>
+                <a16:creationId xmlns:a16="http://schemas.microsoft.com/office/drawing/2014/main" xmlns="" xmlns:lc="http://schemas.openxmlformats.org/drawingml/2006/lockedCanvas" id="{44AEA09D-FD0A-4CA0-883D-93E5EAF762D6}"/>
               </a:ext>
             </a:extLst>
           </p:cNvPr>
@@ -17970,7 +17970,7 @@
           <p:cNvPr id="27" name="矩形 26" descr="紫色网格">
             <a:extLst>
               <a:ext uri="{FF2B5EF4-FFF2-40B4-BE49-F238E27FC236}">
-                <a16:creationId xmlns:lc="http://schemas.openxmlformats.org/drawingml/2006/lockedCanvas" xmlns="" xmlns:a16="http://schemas.microsoft.com/office/drawing/2014/main" id="{44AEA09D-FD0A-4CA0-883D-93E5EAF762D6}"/>
+                <a16:creationId xmlns:a16="http://schemas.microsoft.com/office/drawing/2014/main" xmlns="" xmlns:lc="http://schemas.openxmlformats.org/drawingml/2006/lockedCanvas" id="{44AEA09D-FD0A-4CA0-883D-93E5EAF762D6}"/>
               </a:ext>
             </a:extLst>
           </p:cNvPr>
@@ -18179,7 +18179,7 @@
           <p:cNvPr id="28" name="矩形 27" descr="紫色网格">
             <a:extLst>
               <a:ext uri="{FF2B5EF4-FFF2-40B4-BE49-F238E27FC236}">
-                <a16:creationId xmlns:lc="http://schemas.openxmlformats.org/drawingml/2006/lockedCanvas" xmlns="" xmlns:a16="http://schemas.microsoft.com/office/drawing/2014/main" id="{44AEA09D-FD0A-4CA0-883D-93E5EAF762D6}"/>
+                <a16:creationId xmlns:a16="http://schemas.microsoft.com/office/drawing/2014/main" xmlns="" xmlns:lc="http://schemas.openxmlformats.org/drawingml/2006/lockedCanvas" id="{44AEA09D-FD0A-4CA0-883D-93E5EAF762D6}"/>
               </a:ext>
             </a:extLst>
           </p:cNvPr>
@@ -18354,7 +18354,7 @@
           <p:cNvPr id="29" name="矩形 28" descr="紫色网格">
             <a:extLst>
               <a:ext uri="{FF2B5EF4-FFF2-40B4-BE49-F238E27FC236}">
-                <a16:creationId xmlns:lc="http://schemas.openxmlformats.org/drawingml/2006/lockedCanvas" xmlns="" xmlns:a16="http://schemas.microsoft.com/office/drawing/2014/main" id="{44AEA09D-FD0A-4CA0-883D-93E5EAF762D6}"/>
+                <a16:creationId xmlns:a16="http://schemas.microsoft.com/office/drawing/2014/main" xmlns="" xmlns:lc="http://schemas.openxmlformats.org/drawingml/2006/lockedCanvas" id="{44AEA09D-FD0A-4CA0-883D-93E5EAF762D6}"/>
               </a:ext>
             </a:extLst>
           </p:cNvPr>
@@ -18579,7 +18579,7 @@
           <p:cNvPr id="30" name="矩形 29" descr="紫色网格">
             <a:extLst>
               <a:ext uri="{FF2B5EF4-FFF2-40B4-BE49-F238E27FC236}">
-                <a16:creationId xmlns:lc="http://schemas.openxmlformats.org/drawingml/2006/lockedCanvas" xmlns="" xmlns:a16="http://schemas.microsoft.com/office/drawing/2014/main" id="{44AEA09D-FD0A-4CA0-883D-93E5EAF762D6}"/>
+                <a16:creationId xmlns:a16="http://schemas.microsoft.com/office/drawing/2014/main" xmlns="" xmlns:lc="http://schemas.openxmlformats.org/drawingml/2006/lockedCanvas" id="{44AEA09D-FD0A-4CA0-883D-93E5EAF762D6}"/>
               </a:ext>
             </a:extLst>
           </p:cNvPr>
@@ -18780,7 +18780,7 @@
           <p:cNvPr id="12" name="矩形 11">
             <a:extLst>
               <a:ext uri="{FF2B5EF4-FFF2-40B4-BE49-F238E27FC236}">
-                <a16:creationId xmlns:a16="http://schemas.microsoft.com/office/drawing/2014/main" xmlns="" id="{0FDAD747-108F-4A6D-9220-5EA05067FF1E}"/>
+                <a16:creationId xmlns="" xmlns:a16="http://schemas.microsoft.com/office/drawing/2014/main" id="{0FDAD747-108F-4A6D-9220-5EA05067FF1E}"/>
               </a:ext>
             </a:extLst>
           </p:cNvPr>
@@ -18840,7 +18840,7 @@
           <p:cNvPr id="4" name="矩形 3">
             <a:extLst>
               <a:ext uri="{FF2B5EF4-FFF2-40B4-BE49-F238E27FC236}">
-                <a16:creationId xmlns:a16="http://schemas.microsoft.com/office/drawing/2014/main" xmlns="" id="{0FDAD747-108F-4A6D-9220-5EA05067FF1E}"/>
+                <a16:creationId xmlns="" xmlns:a16="http://schemas.microsoft.com/office/drawing/2014/main" id="{0FDAD747-108F-4A6D-9220-5EA05067FF1E}"/>
               </a:ext>
             </a:extLst>
           </p:cNvPr>
@@ -19084,7 +19084,7 @@
           <p:cNvPr id="5" name="矩形 4" descr="紫色网格">
             <a:extLst>
               <a:ext uri="{FF2B5EF4-FFF2-40B4-BE49-F238E27FC236}">
-                <a16:creationId xmlns:lc="http://schemas.openxmlformats.org/drawingml/2006/lockedCanvas" xmlns="" xmlns:a16="http://schemas.microsoft.com/office/drawing/2014/main" id="{44AEA09D-FD0A-4CA0-883D-93E5EAF762D6}"/>
+                <a16:creationId xmlns:a16="http://schemas.microsoft.com/office/drawing/2014/main" xmlns="" xmlns:lc="http://schemas.openxmlformats.org/drawingml/2006/lockedCanvas" id="{44AEA09D-FD0A-4CA0-883D-93E5EAF762D6}"/>
               </a:ext>
             </a:extLst>
           </p:cNvPr>
@@ -19377,7 +19377,7 @@
           <p:cNvPr id="6" name="矩形 5" descr="紫色网格">
             <a:extLst>
               <a:ext uri="{FF2B5EF4-FFF2-40B4-BE49-F238E27FC236}">
-                <a16:creationId xmlns:lc="http://schemas.openxmlformats.org/drawingml/2006/lockedCanvas" xmlns="" xmlns:a16="http://schemas.microsoft.com/office/drawing/2014/main" id="{44AEA09D-FD0A-4CA0-883D-93E5EAF762D6}"/>
+                <a16:creationId xmlns:a16="http://schemas.microsoft.com/office/drawing/2014/main" xmlns="" xmlns:lc="http://schemas.openxmlformats.org/drawingml/2006/lockedCanvas" id="{44AEA09D-FD0A-4CA0-883D-93E5EAF762D6}"/>
               </a:ext>
             </a:extLst>
           </p:cNvPr>
@@ -19678,7 +19678,7 @@
           <p:cNvPr id="7" name="矩形 6" descr="紫色网格">
             <a:extLst>
               <a:ext uri="{FF2B5EF4-FFF2-40B4-BE49-F238E27FC236}">
-                <a16:creationId xmlns:lc="http://schemas.openxmlformats.org/drawingml/2006/lockedCanvas" xmlns="" xmlns:a16="http://schemas.microsoft.com/office/drawing/2014/main" id="{44AEA09D-FD0A-4CA0-883D-93E5EAF762D6}"/>
+                <a16:creationId xmlns:a16="http://schemas.microsoft.com/office/drawing/2014/main" xmlns="" xmlns:lc="http://schemas.openxmlformats.org/drawingml/2006/lockedCanvas" id="{44AEA09D-FD0A-4CA0-883D-93E5EAF762D6}"/>
               </a:ext>
             </a:extLst>
           </p:cNvPr>
@@ -19888,7 +19888,7 @@
           <p:cNvPr id="8" name="矩形 7" descr="紫色网格">
             <a:extLst>
               <a:ext uri="{FF2B5EF4-FFF2-40B4-BE49-F238E27FC236}">
-                <a16:creationId xmlns:lc="http://schemas.openxmlformats.org/drawingml/2006/lockedCanvas" xmlns="" xmlns:a16="http://schemas.microsoft.com/office/drawing/2014/main" id="{44AEA09D-FD0A-4CA0-883D-93E5EAF762D6}"/>
+                <a16:creationId xmlns:a16="http://schemas.microsoft.com/office/drawing/2014/main" xmlns="" xmlns:lc="http://schemas.openxmlformats.org/drawingml/2006/lockedCanvas" id="{44AEA09D-FD0A-4CA0-883D-93E5EAF762D6}"/>
               </a:ext>
             </a:extLst>
           </p:cNvPr>
@@ -20087,7 +20087,7 @@
           <p:cNvPr id="9" name="矩形 8" descr="紫色网格">
             <a:extLst>
               <a:ext uri="{FF2B5EF4-FFF2-40B4-BE49-F238E27FC236}">
-                <a16:creationId xmlns:lc="http://schemas.openxmlformats.org/drawingml/2006/lockedCanvas" xmlns="" xmlns:a16="http://schemas.microsoft.com/office/drawing/2014/main" id="{44AEA09D-FD0A-4CA0-883D-93E5EAF762D6}"/>
+                <a16:creationId xmlns:a16="http://schemas.microsoft.com/office/drawing/2014/main" xmlns="" xmlns:lc="http://schemas.openxmlformats.org/drawingml/2006/lockedCanvas" id="{44AEA09D-FD0A-4CA0-883D-93E5EAF762D6}"/>
               </a:ext>
             </a:extLst>
           </p:cNvPr>
@@ -20323,7 +20323,7 @@
           <p:cNvPr id="12" name="矩形 11">
             <a:extLst>
               <a:ext uri="{FF2B5EF4-FFF2-40B4-BE49-F238E27FC236}">
-                <a16:creationId xmlns:a16="http://schemas.microsoft.com/office/drawing/2014/main" xmlns="" id="{0FDAD747-108F-4A6D-9220-5EA05067FF1E}"/>
+                <a16:creationId xmlns="" xmlns:a16="http://schemas.microsoft.com/office/drawing/2014/main" id="{0FDAD747-108F-4A6D-9220-5EA05067FF1E}"/>
               </a:ext>
             </a:extLst>
           </p:cNvPr>
@@ -20383,7 +20383,7 @@
           <p:cNvPr id="4" name="矩形 3">
             <a:extLst>
               <a:ext uri="{FF2B5EF4-FFF2-40B4-BE49-F238E27FC236}">
-                <a16:creationId xmlns:a16="http://schemas.microsoft.com/office/drawing/2014/main" xmlns="" id="{0FDAD747-108F-4A6D-9220-5EA05067FF1E}"/>
+                <a16:creationId xmlns="" xmlns:a16="http://schemas.microsoft.com/office/drawing/2014/main" id="{0FDAD747-108F-4A6D-9220-5EA05067FF1E}"/>
               </a:ext>
             </a:extLst>
           </p:cNvPr>
@@ -20663,7 +20663,7 @@
           <p:cNvPr id="12" name="矩形 11">
             <a:extLst>
               <a:ext uri="{FF2B5EF4-FFF2-40B4-BE49-F238E27FC236}">
-                <a16:creationId xmlns:a16="http://schemas.microsoft.com/office/drawing/2014/main" xmlns="" id="{0FDAD747-108F-4A6D-9220-5EA05067FF1E}"/>
+                <a16:creationId xmlns="" xmlns:a16="http://schemas.microsoft.com/office/drawing/2014/main" id="{0FDAD747-108F-4A6D-9220-5EA05067FF1E}"/>
               </a:ext>
             </a:extLst>
           </p:cNvPr>
@@ -21645,7 +21645,7 @@
           <p:cNvPr id="10" name="矩形 9" descr="紫色网格">
             <a:extLst>
               <a:ext uri="{FF2B5EF4-FFF2-40B4-BE49-F238E27FC236}">
-                <a16:creationId xmlns:lc="http://schemas.openxmlformats.org/drawingml/2006/lockedCanvas" xmlns="" xmlns:a16="http://schemas.microsoft.com/office/drawing/2014/main" id="{44AEA09D-FD0A-4CA0-883D-93E5EAF762D6}"/>
+                <a16:creationId xmlns:a16="http://schemas.microsoft.com/office/drawing/2014/main" xmlns="" xmlns:lc="http://schemas.openxmlformats.org/drawingml/2006/lockedCanvas" id="{44AEA09D-FD0A-4CA0-883D-93E5EAF762D6}"/>
               </a:ext>
             </a:extLst>
           </p:cNvPr>
@@ -21859,7 +21859,7 @@
           <p:cNvPr id="12" name="矩形 11">
             <a:extLst>
               <a:ext uri="{FF2B5EF4-FFF2-40B4-BE49-F238E27FC236}">
-                <a16:creationId xmlns:a16="http://schemas.microsoft.com/office/drawing/2014/main" xmlns="" id="{0FDAD747-108F-4A6D-9220-5EA05067FF1E}"/>
+                <a16:creationId xmlns="" xmlns:a16="http://schemas.microsoft.com/office/drawing/2014/main" id="{0FDAD747-108F-4A6D-9220-5EA05067FF1E}"/>
               </a:ext>
             </a:extLst>
           </p:cNvPr>
@@ -21938,7 +21938,7 @@
           <p:cNvPr id="14" name="矩形 13">
             <a:extLst>
               <a:ext uri="{FF2B5EF4-FFF2-40B4-BE49-F238E27FC236}">
-                <a16:creationId xmlns:a16="http://schemas.microsoft.com/office/drawing/2014/main" xmlns="" id="{C2B44424-4CFE-4BA2-9FCF-F0A911E8A749}"/>
+                <a16:creationId xmlns="" xmlns:a16="http://schemas.microsoft.com/office/drawing/2014/main" id="{C2B44424-4CFE-4BA2-9FCF-F0A911E8A749}"/>
               </a:ext>
             </a:extLst>
           </p:cNvPr>
@@ -22092,7 +22092,7 @@
           <p:cNvPr id="16" name="直接箭头连接符 15">
             <a:extLst>
               <a:ext uri="{FF2B5EF4-FFF2-40B4-BE49-F238E27FC236}">
-                <a16:creationId xmlns:a16="http://schemas.microsoft.com/office/drawing/2014/main" xmlns="" id="{EDD84E7C-3200-40E5-A3C0-E57D7F9E754E}"/>
+                <a16:creationId xmlns="" xmlns:a16="http://schemas.microsoft.com/office/drawing/2014/main" id="{EDD84E7C-3200-40E5-A3C0-E57D7F9E754E}"/>
               </a:ext>
             </a:extLst>
           </p:cNvPr>
@@ -22125,7 +22125,7 @@
           <p:cNvPr id="17" name="矩形 16">
             <a:extLst>
               <a:ext uri="{FF2B5EF4-FFF2-40B4-BE49-F238E27FC236}">
-                <a16:creationId xmlns:a16="http://schemas.microsoft.com/office/drawing/2014/main" xmlns="" id="{0FDAD747-108F-4A6D-9220-5EA05067FF1E}"/>
+                <a16:creationId xmlns="" xmlns:a16="http://schemas.microsoft.com/office/drawing/2014/main" id="{0FDAD747-108F-4A6D-9220-5EA05067FF1E}"/>
               </a:ext>
             </a:extLst>
           </p:cNvPr>
@@ -22172,7 +22172,7 @@
           <p:cNvPr id="18" name="矩形 17">
             <a:extLst>
               <a:ext uri="{FF2B5EF4-FFF2-40B4-BE49-F238E27FC236}">
-                <a16:creationId xmlns:a16="http://schemas.microsoft.com/office/drawing/2014/main" xmlns="" id="{5CEC9FB1-9CBF-4B7B-A321-DF404030F08B}"/>
+                <a16:creationId xmlns="" xmlns:a16="http://schemas.microsoft.com/office/drawing/2014/main" id="{5CEC9FB1-9CBF-4B7B-A321-DF404030F08B}"/>
               </a:ext>
             </a:extLst>
           </p:cNvPr>
@@ -22258,7 +22258,7 @@
           <p:cNvPr id="19" name="直接箭头连接符 18">
             <a:extLst>
               <a:ext uri="{FF2B5EF4-FFF2-40B4-BE49-F238E27FC236}">
-                <a16:creationId xmlns:a16="http://schemas.microsoft.com/office/drawing/2014/main" xmlns="" id="{5A7FC920-9D22-4290-B80F-F4BDC1DE109A}"/>
+                <a16:creationId xmlns="" xmlns:a16="http://schemas.microsoft.com/office/drawing/2014/main" id="{5A7FC920-9D22-4290-B80F-F4BDC1DE109A}"/>
               </a:ext>
             </a:extLst>
           </p:cNvPr>
@@ -22291,7 +22291,7 @@
           <p:cNvPr id="20" name="矩形 19">
             <a:extLst>
               <a:ext uri="{FF2B5EF4-FFF2-40B4-BE49-F238E27FC236}">
-                <a16:creationId xmlns:a16="http://schemas.microsoft.com/office/drawing/2014/main" xmlns="" id="{45B27A13-37E3-4777-9299-E75CAF1F6F9A}"/>
+                <a16:creationId xmlns="" xmlns:a16="http://schemas.microsoft.com/office/drawing/2014/main" id="{45B27A13-37E3-4777-9299-E75CAF1F6F9A}"/>
               </a:ext>
             </a:extLst>
           </p:cNvPr>
@@ -22339,7 +22339,7 @@
           <p:cNvPr id="21" name="图片 20">
             <a:extLst>
               <a:ext uri="{FF2B5EF4-FFF2-40B4-BE49-F238E27FC236}">
-                <a16:creationId xmlns:a16="http://schemas.microsoft.com/office/drawing/2014/main" xmlns="" id="{36569B5B-566F-4C60-9D63-318931B70CA2}"/>
+                <a16:creationId xmlns="" xmlns:a16="http://schemas.microsoft.com/office/drawing/2014/main" id="{36569B5B-566F-4C60-9D63-318931B70CA2}"/>
               </a:ext>
             </a:extLst>
           </p:cNvPr>
@@ -22375,7 +22375,7 @@
           <p:cNvPr id="22" name="矩形 21">
             <a:extLst>
               <a:ext uri="{FF2B5EF4-FFF2-40B4-BE49-F238E27FC236}">
-                <a16:creationId xmlns:a16="http://schemas.microsoft.com/office/drawing/2014/main" xmlns="" id="{2A55BA5B-CE30-435B-95FB-B00B8161E590}"/>
+                <a16:creationId xmlns="" xmlns:a16="http://schemas.microsoft.com/office/drawing/2014/main" id="{2A55BA5B-CE30-435B-95FB-B00B8161E590}"/>
               </a:ext>
             </a:extLst>
           </p:cNvPr>
@@ -22433,7 +22433,7 @@
           <p:cNvPr id="23" name="矩形 22">
             <a:extLst>
               <a:ext uri="{FF2B5EF4-FFF2-40B4-BE49-F238E27FC236}">
-                <a16:creationId xmlns:a16="http://schemas.microsoft.com/office/drawing/2014/main" xmlns="" id="{C2B44424-4CFE-4BA2-9FCF-F0A911E8A749}"/>
+                <a16:creationId xmlns="" xmlns:a16="http://schemas.microsoft.com/office/drawing/2014/main" id="{C2B44424-4CFE-4BA2-9FCF-F0A911E8A749}"/>
               </a:ext>
             </a:extLst>
           </p:cNvPr>
@@ -22544,7 +22544,7 @@
           <p:cNvPr id="25" name="矩形 24">
             <a:extLst>
               <a:ext uri="{FF2B5EF4-FFF2-40B4-BE49-F238E27FC236}">
-                <a16:creationId xmlns:a16="http://schemas.microsoft.com/office/drawing/2014/main" xmlns="" id="{0FDAD747-108F-4A6D-9220-5EA05067FF1E}"/>
+                <a16:creationId xmlns="" xmlns:a16="http://schemas.microsoft.com/office/drawing/2014/main" id="{0FDAD747-108F-4A6D-9220-5EA05067FF1E}"/>
               </a:ext>
             </a:extLst>
           </p:cNvPr>
@@ -22695,7 +22695,7 @@
           <p:cNvPr id="30" name="矩形 29">
             <a:extLst>
               <a:ext uri="{FF2B5EF4-FFF2-40B4-BE49-F238E27FC236}">
-                <a16:creationId xmlns:a16="http://schemas.microsoft.com/office/drawing/2014/main" xmlns="" id="{2A55BA5B-CE30-435B-95FB-B00B8161E590}"/>
+                <a16:creationId xmlns="" xmlns:a16="http://schemas.microsoft.com/office/drawing/2014/main" id="{2A55BA5B-CE30-435B-95FB-B00B8161E590}"/>
               </a:ext>
             </a:extLst>
           </p:cNvPr>
@@ -22763,7 +22763,7 @@
           <p:cNvPr id="31" name="矩形 30">
             <a:extLst>
               <a:ext uri="{FF2B5EF4-FFF2-40B4-BE49-F238E27FC236}">
-                <a16:creationId xmlns:a16="http://schemas.microsoft.com/office/drawing/2014/main" xmlns="" id="{2A55BA5B-CE30-435B-95FB-B00B8161E590}"/>
+                <a16:creationId xmlns="" xmlns:a16="http://schemas.microsoft.com/office/drawing/2014/main" id="{2A55BA5B-CE30-435B-95FB-B00B8161E590}"/>
               </a:ext>
             </a:extLst>
           </p:cNvPr>
@@ -22871,7 +22871,7 @@
           <p:cNvPr id="33" name="矩形 13" descr="紫色网格">
             <a:extLst>
               <a:ext uri="{FF2B5EF4-FFF2-40B4-BE49-F238E27FC236}">
-                <a16:creationId xmlns:a16="http://schemas.microsoft.com/office/drawing/2014/main" xmlns="" id="{44AEA09D-FD0A-4CA0-883D-93E5EAF762D6}"/>
+                <a16:creationId xmlns="" xmlns:a16="http://schemas.microsoft.com/office/drawing/2014/main" id="{44AEA09D-FD0A-4CA0-883D-93E5EAF762D6}"/>
               </a:ext>
             </a:extLst>
           </p:cNvPr>
@@ -23201,7 +23201,7 @@
           <p:cNvPr id="12" name="矩形 11">
             <a:extLst>
               <a:ext uri="{FF2B5EF4-FFF2-40B4-BE49-F238E27FC236}">
-                <a16:creationId xmlns:a16="http://schemas.microsoft.com/office/drawing/2014/main" xmlns="" id="{0FDAD747-108F-4A6D-9220-5EA05067FF1E}"/>
+                <a16:creationId xmlns="" xmlns:a16="http://schemas.microsoft.com/office/drawing/2014/main" id="{0FDAD747-108F-4A6D-9220-5EA05067FF1E}"/>
               </a:ext>
             </a:extLst>
           </p:cNvPr>
@@ -23268,7 +23268,7 @@
           <p:cNvPr id="4" name="矩形 3">
             <a:extLst>
               <a:ext uri="{FF2B5EF4-FFF2-40B4-BE49-F238E27FC236}">
-                <a16:creationId xmlns:a16="http://schemas.microsoft.com/office/drawing/2014/main" xmlns="" id="{0FDAD747-108F-4A6D-9220-5EA05067FF1E}"/>
+                <a16:creationId xmlns="" xmlns:a16="http://schemas.microsoft.com/office/drawing/2014/main" id="{0FDAD747-108F-4A6D-9220-5EA05067FF1E}"/>
               </a:ext>
             </a:extLst>
           </p:cNvPr>
@@ -23638,7 +23638,7 @@
           <p:cNvPr id="12" name="矩形 11">
             <a:extLst>
               <a:ext uri="{FF2B5EF4-FFF2-40B4-BE49-F238E27FC236}">
-                <a16:creationId xmlns:a16="http://schemas.microsoft.com/office/drawing/2014/main" xmlns="" id="{0FDAD747-108F-4A6D-9220-5EA05067FF1E}"/>
+                <a16:creationId xmlns="" xmlns:a16="http://schemas.microsoft.com/office/drawing/2014/main" id="{0FDAD747-108F-4A6D-9220-5EA05067FF1E}"/>
               </a:ext>
             </a:extLst>
           </p:cNvPr>
@@ -23705,7 +23705,7 @@
           <p:cNvPr id="4" name="矩形 3">
             <a:extLst>
               <a:ext uri="{FF2B5EF4-FFF2-40B4-BE49-F238E27FC236}">
-                <a16:creationId xmlns:a16="http://schemas.microsoft.com/office/drawing/2014/main" xmlns="" id="{0FDAD747-108F-4A6D-9220-5EA05067FF1E}"/>
+                <a16:creationId xmlns="" xmlns:a16="http://schemas.microsoft.com/office/drawing/2014/main" id="{0FDAD747-108F-4A6D-9220-5EA05067FF1E}"/>
               </a:ext>
             </a:extLst>
           </p:cNvPr>
@@ -24277,7 +24277,7 @@
           <p:cNvPr id="12" name="矩形 11">
             <a:extLst>
               <a:ext uri="{FF2B5EF4-FFF2-40B4-BE49-F238E27FC236}">
-                <a16:creationId xmlns:a16="http://schemas.microsoft.com/office/drawing/2014/main" xmlns="" id="{0FDAD747-108F-4A6D-9220-5EA05067FF1E}"/>
+                <a16:creationId xmlns="" xmlns:a16="http://schemas.microsoft.com/office/drawing/2014/main" id="{0FDAD747-108F-4A6D-9220-5EA05067FF1E}"/>
               </a:ext>
             </a:extLst>
           </p:cNvPr>
@@ -24324,7 +24324,7 @@
           <p:cNvPr id="4" name="矩形 3">
             <a:extLst>
               <a:ext uri="{FF2B5EF4-FFF2-40B4-BE49-F238E27FC236}">
-                <a16:creationId xmlns:a16="http://schemas.microsoft.com/office/drawing/2014/main" xmlns="" id="{0FDAD747-108F-4A6D-9220-5EA05067FF1E}"/>
+                <a16:creationId xmlns="" xmlns:a16="http://schemas.microsoft.com/office/drawing/2014/main" id="{0FDAD747-108F-4A6D-9220-5EA05067FF1E}"/>
               </a:ext>
             </a:extLst>
           </p:cNvPr>
@@ -24751,6 +24751,16 @@
               </a:lnSpc>
             </a:pPr>
             <a:r>
+              <a:rPr lang="en-US" altLang="zh-CN" sz="1600" smtClean="0">
+                <a:solidFill>
+                  <a:srgbClr val="C00000"/>
+                </a:solidFill>
+                <a:latin typeface="微软雅黑" panose="020B0503020204020204" pitchFamily="34" charset="-122"/>
+                <a:ea typeface="微软雅黑" panose="020B0503020204020204" pitchFamily="34" charset="-122"/>
+              </a:rPr>
+              <a:t>Ps</a:t>
+            </a:r>
+            <a:r>
               <a:rPr lang="en-US" altLang="zh-CN" sz="1600" dirty="0" smtClean="0">
                 <a:solidFill>
                   <a:srgbClr val="C00000"/>
@@ -24758,7 +24768,7 @@
                 <a:latin typeface="微软雅黑" panose="020B0503020204020204" pitchFamily="34" charset="-122"/>
                 <a:ea typeface="微软雅黑" panose="020B0503020204020204" pitchFamily="34" charset="-122"/>
               </a:rPr>
-              <a:t>Ps. </a:t>
+              <a:t>. </a:t>
             </a:r>
             <a:r>
               <a:rPr lang="zh-CN" altLang="en-US" sz="1600" dirty="0" smtClean="0">
@@ -24822,7 +24832,7 @@
           <p:cNvPr id="12" name="矩形 11">
             <a:extLst>
               <a:ext uri="{FF2B5EF4-FFF2-40B4-BE49-F238E27FC236}">
-                <a16:creationId xmlns:a16="http://schemas.microsoft.com/office/drawing/2014/main" xmlns="" id="{0FDAD747-108F-4A6D-9220-5EA05067FF1E}"/>
+                <a16:creationId xmlns="" xmlns:a16="http://schemas.microsoft.com/office/drawing/2014/main" id="{0FDAD747-108F-4A6D-9220-5EA05067FF1E}"/>
               </a:ext>
             </a:extLst>
           </p:cNvPr>
@@ -24901,7 +24911,7 @@
           <p:cNvPr id="14" name="矩形 13">
             <a:extLst>
               <a:ext uri="{FF2B5EF4-FFF2-40B4-BE49-F238E27FC236}">
-                <a16:creationId xmlns:a16="http://schemas.microsoft.com/office/drawing/2014/main" xmlns="" id="{C2B44424-4CFE-4BA2-9FCF-F0A911E8A749}"/>
+                <a16:creationId xmlns="" xmlns:a16="http://schemas.microsoft.com/office/drawing/2014/main" id="{C2B44424-4CFE-4BA2-9FCF-F0A911E8A749}"/>
               </a:ext>
             </a:extLst>
           </p:cNvPr>
@@ -25055,7 +25065,7 @@
           <p:cNvPr id="16" name="直接箭头连接符 15">
             <a:extLst>
               <a:ext uri="{FF2B5EF4-FFF2-40B4-BE49-F238E27FC236}">
-                <a16:creationId xmlns:a16="http://schemas.microsoft.com/office/drawing/2014/main" xmlns="" id="{EDD84E7C-3200-40E5-A3C0-E57D7F9E754E}"/>
+                <a16:creationId xmlns="" xmlns:a16="http://schemas.microsoft.com/office/drawing/2014/main" id="{EDD84E7C-3200-40E5-A3C0-E57D7F9E754E}"/>
               </a:ext>
             </a:extLst>
           </p:cNvPr>
@@ -25088,7 +25098,7 @@
           <p:cNvPr id="17" name="矩形 16">
             <a:extLst>
               <a:ext uri="{FF2B5EF4-FFF2-40B4-BE49-F238E27FC236}">
-                <a16:creationId xmlns:a16="http://schemas.microsoft.com/office/drawing/2014/main" xmlns="" id="{0FDAD747-108F-4A6D-9220-5EA05067FF1E}"/>
+                <a16:creationId xmlns="" xmlns:a16="http://schemas.microsoft.com/office/drawing/2014/main" id="{0FDAD747-108F-4A6D-9220-5EA05067FF1E}"/>
               </a:ext>
             </a:extLst>
           </p:cNvPr>
@@ -25135,7 +25145,7 @@
           <p:cNvPr id="18" name="矩形 17">
             <a:extLst>
               <a:ext uri="{FF2B5EF4-FFF2-40B4-BE49-F238E27FC236}">
-                <a16:creationId xmlns:a16="http://schemas.microsoft.com/office/drawing/2014/main" xmlns="" id="{5CEC9FB1-9CBF-4B7B-A321-DF404030F08B}"/>
+                <a16:creationId xmlns="" xmlns:a16="http://schemas.microsoft.com/office/drawing/2014/main" id="{5CEC9FB1-9CBF-4B7B-A321-DF404030F08B}"/>
               </a:ext>
             </a:extLst>
           </p:cNvPr>
@@ -25221,7 +25231,7 @@
           <p:cNvPr id="19" name="直接箭头连接符 18">
             <a:extLst>
               <a:ext uri="{FF2B5EF4-FFF2-40B4-BE49-F238E27FC236}">
-                <a16:creationId xmlns:a16="http://schemas.microsoft.com/office/drawing/2014/main" xmlns="" id="{5A7FC920-9D22-4290-B80F-F4BDC1DE109A}"/>
+                <a16:creationId xmlns="" xmlns:a16="http://schemas.microsoft.com/office/drawing/2014/main" id="{5A7FC920-9D22-4290-B80F-F4BDC1DE109A}"/>
               </a:ext>
             </a:extLst>
           </p:cNvPr>
@@ -25254,7 +25264,7 @@
           <p:cNvPr id="20" name="矩形 19">
             <a:extLst>
               <a:ext uri="{FF2B5EF4-FFF2-40B4-BE49-F238E27FC236}">
-                <a16:creationId xmlns:a16="http://schemas.microsoft.com/office/drawing/2014/main" xmlns="" id="{45B27A13-37E3-4777-9299-E75CAF1F6F9A}"/>
+                <a16:creationId xmlns="" xmlns:a16="http://schemas.microsoft.com/office/drawing/2014/main" id="{45B27A13-37E3-4777-9299-E75CAF1F6F9A}"/>
               </a:ext>
             </a:extLst>
           </p:cNvPr>
@@ -25302,7 +25312,7 @@
           <p:cNvPr id="21" name="图片 20">
             <a:extLst>
               <a:ext uri="{FF2B5EF4-FFF2-40B4-BE49-F238E27FC236}">
-                <a16:creationId xmlns:a16="http://schemas.microsoft.com/office/drawing/2014/main" xmlns="" id="{36569B5B-566F-4C60-9D63-318931B70CA2}"/>
+                <a16:creationId xmlns="" xmlns:a16="http://schemas.microsoft.com/office/drawing/2014/main" id="{36569B5B-566F-4C60-9D63-318931B70CA2}"/>
               </a:ext>
             </a:extLst>
           </p:cNvPr>
@@ -25338,7 +25348,7 @@
           <p:cNvPr id="22" name="矩形 21">
             <a:extLst>
               <a:ext uri="{FF2B5EF4-FFF2-40B4-BE49-F238E27FC236}">
-                <a16:creationId xmlns:a16="http://schemas.microsoft.com/office/drawing/2014/main" xmlns="" id="{2A55BA5B-CE30-435B-95FB-B00B8161E590}"/>
+                <a16:creationId xmlns="" xmlns:a16="http://schemas.microsoft.com/office/drawing/2014/main" id="{2A55BA5B-CE30-435B-95FB-B00B8161E590}"/>
               </a:ext>
             </a:extLst>
           </p:cNvPr>
@@ -25396,7 +25406,7 @@
           <p:cNvPr id="23" name="矩形 22">
             <a:extLst>
               <a:ext uri="{FF2B5EF4-FFF2-40B4-BE49-F238E27FC236}">
-                <a16:creationId xmlns:a16="http://schemas.microsoft.com/office/drawing/2014/main" xmlns="" id="{C2B44424-4CFE-4BA2-9FCF-F0A911E8A749}"/>
+                <a16:creationId xmlns="" xmlns:a16="http://schemas.microsoft.com/office/drawing/2014/main" id="{C2B44424-4CFE-4BA2-9FCF-F0A911E8A749}"/>
               </a:ext>
             </a:extLst>
           </p:cNvPr>
@@ -25507,7 +25517,7 @@
           <p:cNvPr id="25" name="矩形 24">
             <a:extLst>
               <a:ext uri="{FF2B5EF4-FFF2-40B4-BE49-F238E27FC236}">
-                <a16:creationId xmlns:a16="http://schemas.microsoft.com/office/drawing/2014/main" xmlns="" id="{0FDAD747-108F-4A6D-9220-5EA05067FF1E}"/>
+                <a16:creationId xmlns="" xmlns:a16="http://schemas.microsoft.com/office/drawing/2014/main" id="{0FDAD747-108F-4A6D-9220-5EA05067FF1E}"/>
               </a:ext>
             </a:extLst>
           </p:cNvPr>
@@ -25706,7 +25716,7 @@
           <p:cNvPr id="30" name="矩形 29">
             <a:extLst>
               <a:ext uri="{FF2B5EF4-FFF2-40B4-BE49-F238E27FC236}">
-                <a16:creationId xmlns:a16="http://schemas.microsoft.com/office/drawing/2014/main" xmlns="" id="{2A55BA5B-CE30-435B-95FB-B00B8161E590}"/>
+                <a16:creationId xmlns="" xmlns:a16="http://schemas.microsoft.com/office/drawing/2014/main" id="{2A55BA5B-CE30-435B-95FB-B00B8161E590}"/>
               </a:ext>
             </a:extLst>
           </p:cNvPr>
@@ -25774,7 +25784,7 @@
           <p:cNvPr id="27" name="矩形 26">
             <a:extLst>
               <a:ext uri="{FF2B5EF4-FFF2-40B4-BE49-F238E27FC236}">
-                <a16:creationId xmlns:a16="http://schemas.microsoft.com/office/drawing/2014/main" xmlns="" id="{0FDAD747-108F-4A6D-9220-5EA05067FF1E}"/>
+                <a16:creationId xmlns="" xmlns:a16="http://schemas.microsoft.com/office/drawing/2014/main" id="{0FDAD747-108F-4A6D-9220-5EA05067FF1E}"/>
               </a:ext>
             </a:extLst>
           </p:cNvPr>
@@ -25841,7 +25851,7 @@
           <p:cNvPr id="28" name="矩形 13" descr="紫色网格">
             <a:extLst>
               <a:ext uri="{FF2B5EF4-FFF2-40B4-BE49-F238E27FC236}">
-                <a16:creationId xmlns:a16="http://schemas.microsoft.com/office/drawing/2014/main" xmlns="" id="{44AEA09D-FD0A-4CA0-883D-93E5EAF762D6}"/>
+                <a16:creationId xmlns="" xmlns:a16="http://schemas.microsoft.com/office/drawing/2014/main" id="{44AEA09D-FD0A-4CA0-883D-93E5EAF762D6}"/>
               </a:ext>
             </a:extLst>
           </p:cNvPr>
@@ -26141,7 +26151,7 @@
           <p:cNvPr id="12" name="矩形 11">
             <a:extLst>
               <a:ext uri="{FF2B5EF4-FFF2-40B4-BE49-F238E27FC236}">
-                <a16:creationId xmlns:a16="http://schemas.microsoft.com/office/drawing/2014/main" xmlns="" id="{0FDAD747-108F-4A6D-9220-5EA05067FF1E}"/>
+                <a16:creationId xmlns="" xmlns:a16="http://schemas.microsoft.com/office/drawing/2014/main" id="{0FDAD747-108F-4A6D-9220-5EA05067FF1E}"/>
               </a:ext>
             </a:extLst>
           </p:cNvPr>
@@ -26220,7 +26230,7 @@
           <p:cNvPr id="14" name="矩形 13">
             <a:extLst>
               <a:ext uri="{FF2B5EF4-FFF2-40B4-BE49-F238E27FC236}">
-                <a16:creationId xmlns:a16="http://schemas.microsoft.com/office/drawing/2014/main" xmlns="" id="{C2B44424-4CFE-4BA2-9FCF-F0A911E8A749}"/>
+                <a16:creationId xmlns="" xmlns:a16="http://schemas.microsoft.com/office/drawing/2014/main" id="{C2B44424-4CFE-4BA2-9FCF-F0A911E8A749}"/>
               </a:ext>
             </a:extLst>
           </p:cNvPr>
@@ -26374,7 +26384,7 @@
           <p:cNvPr id="16" name="直接箭头连接符 15">
             <a:extLst>
               <a:ext uri="{FF2B5EF4-FFF2-40B4-BE49-F238E27FC236}">
-                <a16:creationId xmlns:a16="http://schemas.microsoft.com/office/drawing/2014/main" xmlns="" id="{EDD84E7C-3200-40E5-A3C0-E57D7F9E754E}"/>
+                <a16:creationId xmlns="" xmlns:a16="http://schemas.microsoft.com/office/drawing/2014/main" id="{EDD84E7C-3200-40E5-A3C0-E57D7F9E754E}"/>
               </a:ext>
             </a:extLst>
           </p:cNvPr>
@@ -26407,7 +26417,7 @@
           <p:cNvPr id="17" name="矩形 16">
             <a:extLst>
               <a:ext uri="{FF2B5EF4-FFF2-40B4-BE49-F238E27FC236}">
-                <a16:creationId xmlns:a16="http://schemas.microsoft.com/office/drawing/2014/main" xmlns="" id="{0FDAD747-108F-4A6D-9220-5EA05067FF1E}"/>
+                <a16:creationId xmlns="" xmlns:a16="http://schemas.microsoft.com/office/drawing/2014/main" id="{0FDAD747-108F-4A6D-9220-5EA05067FF1E}"/>
               </a:ext>
             </a:extLst>
           </p:cNvPr>
@@ -26454,7 +26464,7 @@
           <p:cNvPr id="18" name="矩形 17">
             <a:extLst>
               <a:ext uri="{FF2B5EF4-FFF2-40B4-BE49-F238E27FC236}">
-                <a16:creationId xmlns:a16="http://schemas.microsoft.com/office/drawing/2014/main" xmlns="" id="{5CEC9FB1-9CBF-4B7B-A321-DF404030F08B}"/>
+                <a16:creationId xmlns="" xmlns:a16="http://schemas.microsoft.com/office/drawing/2014/main" id="{5CEC9FB1-9CBF-4B7B-A321-DF404030F08B}"/>
               </a:ext>
             </a:extLst>
           </p:cNvPr>
@@ -26540,7 +26550,7 @@
           <p:cNvPr id="19" name="直接箭头连接符 18">
             <a:extLst>
               <a:ext uri="{FF2B5EF4-FFF2-40B4-BE49-F238E27FC236}">
-                <a16:creationId xmlns:a16="http://schemas.microsoft.com/office/drawing/2014/main" xmlns="" id="{5A7FC920-9D22-4290-B80F-F4BDC1DE109A}"/>
+                <a16:creationId xmlns="" xmlns:a16="http://schemas.microsoft.com/office/drawing/2014/main" id="{5A7FC920-9D22-4290-B80F-F4BDC1DE109A}"/>
               </a:ext>
             </a:extLst>
           </p:cNvPr>
@@ -26573,7 +26583,7 @@
           <p:cNvPr id="20" name="矩形 19">
             <a:extLst>
               <a:ext uri="{FF2B5EF4-FFF2-40B4-BE49-F238E27FC236}">
-                <a16:creationId xmlns:a16="http://schemas.microsoft.com/office/drawing/2014/main" xmlns="" id="{45B27A13-37E3-4777-9299-E75CAF1F6F9A}"/>
+                <a16:creationId xmlns="" xmlns:a16="http://schemas.microsoft.com/office/drawing/2014/main" id="{45B27A13-37E3-4777-9299-E75CAF1F6F9A}"/>
               </a:ext>
             </a:extLst>
           </p:cNvPr>
@@ -26621,7 +26631,7 @@
           <p:cNvPr id="21" name="图片 20">
             <a:extLst>
               <a:ext uri="{FF2B5EF4-FFF2-40B4-BE49-F238E27FC236}">
-                <a16:creationId xmlns:a16="http://schemas.microsoft.com/office/drawing/2014/main" xmlns="" id="{36569B5B-566F-4C60-9D63-318931B70CA2}"/>
+                <a16:creationId xmlns="" xmlns:a16="http://schemas.microsoft.com/office/drawing/2014/main" id="{36569B5B-566F-4C60-9D63-318931B70CA2}"/>
               </a:ext>
             </a:extLst>
           </p:cNvPr>
@@ -26657,7 +26667,7 @@
           <p:cNvPr id="22" name="矩形 21">
             <a:extLst>
               <a:ext uri="{FF2B5EF4-FFF2-40B4-BE49-F238E27FC236}">
-                <a16:creationId xmlns:a16="http://schemas.microsoft.com/office/drawing/2014/main" xmlns="" id="{2A55BA5B-CE30-435B-95FB-B00B8161E590}"/>
+                <a16:creationId xmlns="" xmlns:a16="http://schemas.microsoft.com/office/drawing/2014/main" id="{2A55BA5B-CE30-435B-95FB-B00B8161E590}"/>
               </a:ext>
             </a:extLst>
           </p:cNvPr>
@@ -26715,7 +26725,7 @@
           <p:cNvPr id="23" name="矩形 22">
             <a:extLst>
               <a:ext uri="{FF2B5EF4-FFF2-40B4-BE49-F238E27FC236}">
-                <a16:creationId xmlns:a16="http://schemas.microsoft.com/office/drawing/2014/main" xmlns="" id="{C2B44424-4CFE-4BA2-9FCF-F0A911E8A749}"/>
+                <a16:creationId xmlns="" xmlns:a16="http://schemas.microsoft.com/office/drawing/2014/main" id="{C2B44424-4CFE-4BA2-9FCF-F0A911E8A749}"/>
               </a:ext>
             </a:extLst>
           </p:cNvPr>
@@ -26826,7 +26836,7 @@
           <p:cNvPr id="25" name="矩形 24">
             <a:extLst>
               <a:ext uri="{FF2B5EF4-FFF2-40B4-BE49-F238E27FC236}">
-                <a16:creationId xmlns:a16="http://schemas.microsoft.com/office/drawing/2014/main" xmlns="" id="{0FDAD747-108F-4A6D-9220-5EA05067FF1E}"/>
+                <a16:creationId xmlns="" xmlns:a16="http://schemas.microsoft.com/office/drawing/2014/main" id="{0FDAD747-108F-4A6D-9220-5EA05067FF1E}"/>
               </a:ext>
             </a:extLst>
           </p:cNvPr>
@@ -27025,7 +27035,7 @@
           <p:cNvPr id="30" name="矩形 29">
             <a:extLst>
               <a:ext uri="{FF2B5EF4-FFF2-40B4-BE49-F238E27FC236}">
-                <a16:creationId xmlns:a16="http://schemas.microsoft.com/office/drawing/2014/main" xmlns="" id="{2A55BA5B-CE30-435B-95FB-B00B8161E590}"/>
+                <a16:creationId xmlns="" xmlns:a16="http://schemas.microsoft.com/office/drawing/2014/main" id="{2A55BA5B-CE30-435B-95FB-B00B8161E590}"/>
               </a:ext>
             </a:extLst>
           </p:cNvPr>
@@ -27093,7 +27103,7 @@
           <p:cNvPr id="27" name="矩形 26">
             <a:extLst>
               <a:ext uri="{FF2B5EF4-FFF2-40B4-BE49-F238E27FC236}">
-                <a16:creationId xmlns:a16="http://schemas.microsoft.com/office/drawing/2014/main" xmlns="" id="{0FDAD747-108F-4A6D-9220-5EA05067FF1E}"/>
+                <a16:creationId xmlns="" xmlns:a16="http://schemas.microsoft.com/office/drawing/2014/main" id="{0FDAD747-108F-4A6D-9220-5EA05067FF1E}"/>
               </a:ext>
             </a:extLst>
           </p:cNvPr>
@@ -27160,7 +27170,7 @@
           <p:cNvPr id="28" name="矩形 13" descr="紫色网格">
             <a:extLst>
               <a:ext uri="{FF2B5EF4-FFF2-40B4-BE49-F238E27FC236}">
-                <a16:creationId xmlns:a16="http://schemas.microsoft.com/office/drawing/2014/main" xmlns="" id="{44AEA09D-FD0A-4CA0-883D-93E5EAF762D6}"/>
+                <a16:creationId xmlns="" xmlns:a16="http://schemas.microsoft.com/office/drawing/2014/main" id="{44AEA09D-FD0A-4CA0-883D-93E5EAF762D6}"/>
               </a:ext>
             </a:extLst>
           </p:cNvPr>
@@ -27554,7 +27564,7 @@
           <p:cNvPr id="7" name="矩形 6">
             <a:extLst>
               <a:ext uri="{FF2B5EF4-FFF2-40B4-BE49-F238E27FC236}">
-                <a16:creationId xmlns:a16="http://schemas.microsoft.com/office/drawing/2014/main" xmlns="" id="{0FDAD747-108F-4A6D-9220-5EA05067FF1E}"/>
+                <a16:creationId xmlns="" xmlns:a16="http://schemas.microsoft.com/office/drawing/2014/main" id="{0FDAD747-108F-4A6D-9220-5EA05067FF1E}"/>
               </a:ext>
             </a:extLst>
           </p:cNvPr>
@@ -27700,7 +27710,7 @@
           <p:cNvPr id="8" name="矩形 13" descr="紫色网格">
             <a:extLst>
               <a:ext uri="{FF2B5EF4-FFF2-40B4-BE49-F238E27FC236}">
-                <a16:creationId xmlns:a16="http://schemas.microsoft.com/office/drawing/2014/main" xmlns="" id="{44AEA09D-FD0A-4CA0-883D-93E5EAF762D6}"/>
+                <a16:creationId xmlns="" xmlns:a16="http://schemas.microsoft.com/office/drawing/2014/main" id="{44AEA09D-FD0A-4CA0-883D-93E5EAF762D6}"/>
               </a:ext>
             </a:extLst>
           </p:cNvPr>
@@ -27989,7 +27999,7 @@
           <p:cNvPr id="9" name="矩形 8">
             <a:extLst>
               <a:ext uri="{FF2B5EF4-FFF2-40B4-BE49-F238E27FC236}">
-                <a16:creationId xmlns:a16="http://schemas.microsoft.com/office/drawing/2014/main" xmlns="" id="{0FDAD747-108F-4A6D-9220-5EA05067FF1E}"/>
+                <a16:creationId xmlns="" xmlns:a16="http://schemas.microsoft.com/office/drawing/2014/main" id="{0FDAD747-108F-4A6D-9220-5EA05067FF1E}"/>
               </a:ext>
             </a:extLst>
           </p:cNvPr>
@@ -28099,7 +28109,7 @@
           <p:cNvPr id="9" name="矩形 8">
             <a:extLst>
               <a:ext uri="{FF2B5EF4-FFF2-40B4-BE49-F238E27FC236}">
-                <a16:creationId xmlns:a16="http://schemas.microsoft.com/office/drawing/2014/main" xmlns="" id="{AB1DF3D9-EC08-40CA-853D-48B16F99EE56}"/>
+                <a16:creationId xmlns="" xmlns:a16="http://schemas.microsoft.com/office/drawing/2014/main" id="{AB1DF3D9-EC08-40CA-853D-48B16F99EE56}"/>
               </a:ext>
             </a:extLst>
           </p:cNvPr>
@@ -28290,7 +28300,7 @@
           <p:cNvPr id="8" name="矩形 7">
             <a:extLst>
               <a:ext uri="{FF2B5EF4-FFF2-40B4-BE49-F238E27FC236}">
-                <a16:creationId xmlns:a16="http://schemas.microsoft.com/office/drawing/2014/main" xmlns="" id="{0FDAD747-108F-4A6D-9220-5EA05067FF1E}"/>
+                <a16:creationId xmlns="" xmlns:a16="http://schemas.microsoft.com/office/drawing/2014/main" id="{0FDAD747-108F-4A6D-9220-5EA05067FF1E}"/>
               </a:ext>
             </a:extLst>
           </p:cNvPr>
